--- a/Extra files/Environment structure.pptx
+++ b/Extra files/Environment structure.pptx
@@ -198,7 +198,7 @@
           <a:p>
             <a:fld id="{044555AD-4AA1-FA42-8FD3-EB1FC2DBADED}" type="datetimeFigureOut">
               <a:rPr lang="en-US" smtClean="0"/>
-              <a:t>10/26/23</a:t>
+              <a:t>12/28/23</a:t>
             </a:fld>
             <a:endParaRPr lang="en-US"/>
           </a:p>
@@ -696,7 +696,7 @@
           <a:p>
             <a:fld id="{F0438D75-6BB9-074B-BA56-18BB868D5A9A}" type="datetimeFigureOut">
               <a:rPr lang="en-US" smtClean="0"/>
-              <a:t>10/26/23</a:t>
+              <a:t>12/28/23</a:t>
             </a:fld>
             <a:endParaRPr lang="en-US"/>
           </a:p>
@@ -894,7 +894,7 @@
           <a:p>
             <a:fld id="{F0438D75-6BB9-074B-BA56-18BB868D5A9A}" type="datetimeFigureOut">
               <a:rPr lang="en-US" smtClean="0"/>
-              <a:t>10/26/23</a:t>
+              <a:t>12/28/23</a:t>
             </a:fld>
             <a:endParaRPr lang="en-US"/>
           </a:p>
@@ -1102,7 +1102,7 @@
           <a:p>
             <a:fld id="{F0438D75-6BB9-074B-BA56-18BB868D5A9A}" type="datetimeFigureOut">
               <a:rPr lang="en-US" smtClean="0"/>
-              <a:t>10/26/23</a:t>
+              <a:t>12/28/23</a:t>
             </a:fld>
             <a:endParaRPr lang="en-US"/>
           </a:p>
@@ -1300,7 +1300,7 @@
           <a:p>
             <a:fld id="{F0438D75-6BB9-074B-BA56-18BB868D5A9A}" type="datetimeFigureOut">
               <a:rPr lang="en-US" smtClean="0"/>
-              <a:t>10/26/23</a:t>
+              <a:t>12/28/23</a:t>
             </a:fld>
             <a:endParaRPr lang="en-US"/>
           </a:p>
@@ -1575,7 +1575,7 @@
           <a:p>
             <a:fld id="{F0438D75-6BB9-074B-BA56-18BB868D5A9A}" type="datetimeFigureOut">
               <a:rPr lang="en-US" smtClean="0"/>
-              <a:t>10/26/23</a:t>
+              <a:t>12/28/23</a:t>
             </a:fld>
             <a:endParaRPr lang="en-US"/>
           </a:p>
@@ -1840,7 +1840,7 @@
           <a:p>
             <a:fld id="{F0438D75-6BB9-074B-BA56-18BB868D5A9A}" type="datetimeFigureOut">
               <a:rPr lang="en-US" smtClean="0"/>
-              <a:t>10/26/23</a:t>
+              <a:t>12/28/23</a:t>
             </a:fld>
             <a:endParaRPr lang="en-US"/>
           </a:p>
@@ -2252,7 +2252,7 @@
           <a:p>
             <a:fld id="{F0438D75-6BB9-074B-BA56-18BB868D5A9A}" type="datetimeFigureOut">
               <a:rPr lang="en-US" smtClean="0"/>
-              <a:t>10/26/23</a:t>
+              <a:t>12/28/23</a:t>
             </a:fld>
             <a:endParaRPr lang="en-US"/>
           </a:p>
@@ -2393,7 +2393,7 @@
           <a:p>
             <a:fld id="{F0438D75-6BB9-074B-BA56-18BB868D5A9A}" type="datetimeFigureOut">
               <a:rPr lang="en-US" smtClean="0"/>
-              <a:t>10/26/23</a:t>
+              <a:t>12/28/23</a:t>
             </a:fld>
             <a:endParaRPr lang="en-US"/>
           </a:p>
@@ -2506,7 +2506,7 @@
           <a:p>
             <a:fld id="{F0438D75-6BB9-074B-BA56-18BB868D5A9A}" type="datetimeFigureOut">
               <a:rPr lang="en-US" smtClean="0"/>
-              <a:t>10/26/23</a:t>
+              <a:t>12/28/23</a:t>
             </a:fld>
             <a:endParaRPr lang="en-US"/>
           </a:p>
@@ -2817,7 +2817,7 @@
           <a:p>
             <a:fld id="{F0438D75-6BB9-074B-BA56-18BB868D5A9A}" type="datetimeFigureOut">
               <a:rPr lang="en-US" smtClean="0"/>
-              <a:t>10/26/23</a:t>
+              <a:t>12/28/23</a:t>
             </a:fld>
             <a:endParaRPr lang="en-US"/>
           </a:p>
@@ -3105,7 +3105,7 @@
           <a:p>
             <a:fld id="{F0438D75-6BB9-074B-BA56-18BB868D5A9A}" type="datetimeFigureOut">
               <a:rPr lang="en-US" smtClean="0"/>
-              <a:t>10/26/23</a:t>
+              <a:t>12/28/23</a:t>
             </a:fld>
             <a:endParaRPr lang="en-US"/>
           </a:p>
@@ -3346,7 +3346,7 @@
           <a:p>
             <a:fld id="{F0438D75-6BB9-074B-BA56-18BB868D5A9A}" type="datetimeFigureOut">
               <a:rPr lang="en-US" smtClean="0"/>
-              <a:t>10/26/23</a:t>
+              <a:t>12/28/23</a:t>
             </a:fld>
             <a:endParaRPr lang="en-US"/>
           </a:p>
@@ -4325,7 +4325,7 @@
           </p:nvSpPr>
           <p:spPr>
             <a:xfrm>
-              <a:off x="6151204" y="1613853"/>
+              <a:off x="6182734" y="1613853"/>
               <a:ext cx="1234248" cy="442557"/>
             </a:xfrm>
             <a:prstGeom prst="ellipse">
@@ -4384,7 +4384,7 @@
           </p:nvSpPr>
           <p:spPr>
             <a:xfrm>
-              <a:off x="7503731" y="1574151"/>
+              <a:off x="7514241" y="1574151"/>
               <a:ext cx="1459626" cy="551701"/>
             </a:xfrm>
             <a:prstGeom prst="ellipse">
@@ -5113,8 +5113,8 @@
           </a:fontRef>
         </p:style>
       </p:cxnSp>
-      <mc:AlternateContent xmlns:mc="http://schemas.openxmlformats.org/markup-compatibility/2006" xmlns:a14="http://schemas.microsoft.com/office/drawing/2010/main">
-        <mc:Choice Requires="a14">
+      <mc:AlternateContent xmlns:mc="http://schemas.openxmlformats.org/markup-compatibility/2006">
+        <mc:Choice xmlns:a14="http://schemas.microsoft.com/office/drawing/2010/main" Requires="a14">
           <p:sp>
             <p:nvSpPr>
               <p:cNvPr id="197" name="TextBox 196">
@@ -5130,7 +5130,7 @@
             <p:spPr>
               <a:xfrm>
                 <a:off x="8849678" y="2412246"/>
-                <a:ext cx="286553" cy="276999"/>
+                <a:ext cx="261867" cy="276999"/>
               </a:xfrm>
               <a:prstGeom prst="rect">
                 <a:avLst/>
@@ -5163,7 +5163,7 @@
                             <a:rPr lang="en-US" b="0" i="1" smtClean="0">
                               <a:latin typeface="Cambria Math" panose="02040503050406030204" pitchFamily="18" charset="0"/>
                             </a:rPr>
-                            <m:t>𝐴</m:t>
+                            <m:t>𝑥</m:t>
                           </m:r>
                         </m:e>
                         <m:sub>
@@ -5183,7 +5183,7 @@
             </p:txBody>
           </p:sp>
         </mc:Choice>
-        <mc:Fallback xmlns="">
+        <mc:Fallback>
           <p:sp>
             <p:nvSpPr>
               <p:cNvPr id="197" name="TextBox 196">
@@ -5201,7 +5201,7 @@
             <p:spPr>
               <a:xfrm>
                 <a:off x="8849678" y="2412246"/>
-                <a:ext cx="286553" cy="276999"/>
+                <a:ext cx="261867" cy="276999"/>
               </a:xfrm>
               <a:prstGeom prst="rect">
                 <a:avLst/>
@@ -5209,7 +5209,7 @@
               <a:blipFill>
                 <a:blip r:embed="rId3"/>
                 <a:stretch>
-                  <a:fillRect l="-16667" r="-4167" b="-18182"/>
+                  <a:fillRect l="-9091" r="-4545" b="-18182"/>
                 </a:stretch>
               </a:blipFill>
             </p:spPr>
@@ -5458,8 +5458,8 @@
           </p:sp>
         </mc:Fallback>
       </mc:AlternateContent>
-      <mc:AlternateContent xmlns:mc="http://schemas.openxmlformats.org/markup-compatibility/2006" xmlns:a14="http://schemas.microsoft.com/office/drawing/2010/main">
-        <mc:Choice Requires="a14">
+      <mc:AlternateContent xmlns:mc="http://schemas.openxmlformats.org/markup-compatibility/2006">
+        <mc:Choice xmlns:a14="http://schemas.microsoft.com/office/drawing/2010/main" Requires="a14">
           <p:sp>
             <p:nvSpPr>
               <p:cNvPr id="200" name="TextBox 199">
@@ -5475,7 +5475,7 @@
             <p:spPr>
               <a:xfrm>
                 <a:off x="5567076" y="3809771"/>
-                <a:ext cx="222560" cy="215444"/>
+                <a:ext cx="203197" cy="215444"/>
               </a:xfrm>
               <a:prstGeom prst="rect">
                 <a:avLst/>
@@ -5508,7 +5508,7 @@
                             <a:rPr lang="en-US" sz="1400" b="0" i="1" smtClean="0">
                               <a:latin typeface="Cambria Math" panose="02040503050406030204" pitchFamily="18" charset="0"/>
                             </a:rPr>
-                            <m:t>𝐴</m:t>
+                            <m:t>𝑥</m:t>
                           </m:r>
                         </m:e>
                         <m:sub>
@@ -5528,7 +5528,7 @@
             </p:txBody>
           </p:sp>
         </mc:Choice>
-        <mc:Fallback xmlns="">
+        <mc:Fallback>
           <p:sp>
             <p:nvSpPr>
               <p:cNvPr id="200" name="TextBox 199">
@@ -5546,7 +5546,7 @@
             <p:spPr>
               <a:xfrm>
                 <a:off x="5567076" y="3809771"/>
-                <a:ext cx="222560" cy="215444"/>
+                <a:ext cx="203197" cy="215444"/>
               </a:xfrm>
               <a:prstGeom prst="rect">
                 <a:avLst/>
@@ -5554,7 +5554,7 @@
               <a:blipFill>
                 <a:blip r:embed="rId6"/>
                 <a:stretch>
-                  <a:fillRect l="-15789" b="-17647"/>
+                  <a:fillRect l="-11765" r="-5882" b="-17647"/>
                 </a:stretch>
               </a:blipFill>
             </p:spPr>

--- a/Extra files/Environment structure.pptx
+++ b/Extra files/Environment structure.pptx
@@ -116,6 +116,395 @@
 </p:presentation>
 </file>
 
+<file path=ppt/revisionInfo.xml><?xml version="1.0" encoding="utf-8"?>
+<p1510:revInfo xmlns:a="http://schemas.openxmlformats.org/drawingml/2006/main" xmlns:r="http://schemas.openxmlformats.org/officeDocument/2006/relationships" xmlns:p1510="http://schemas.microsoft.com/office/powerpoint/2015/10/main">
+  <p1510:revLst>
+    <p1510:client id="{3A5A639A-8891-4B5F-9C9A-11234CF03293}" v="46" dt="2024-01-09T23:25:57.523"/>
+  </p1510:revLst>
+</p1510:revInfo>
+</file>
+
+<file path=ppt/changesInfos/changesInfo1.xml><?xml version="1.0" encoding="utf-8"?>
+<pc:chgInfo xmlns:a="http://schemas.openxmlformats.org/drawingml/2006/main" xmlns:r="http://schemas.openxmlformats.org/officeDocument/2006/relationships" xmlns:ac="http://schemas.microsoft.com/office/drawing/2013/main/command" xmlns:pc="http://schemas.microsoft.com/office/powerpoint/2013/main/command">
+  <pc:docChgLst>
+    <pc:chgData name="Ariel Rojas Alvarez" userId="f203edef-e99f-4492-88de-86ec23d69b8b" providerId="ADAL" clId="{3A5A639A-8891-4B5F-9C9A-11234CF03293}"/>
+    <pc:docChg chg="undo custSel modSld">
+      <pc:chgData name="Ariel Rojas Alvarez" userId="f203edef-e99f-4492-88de-86ec23d69b8b" providerId="ADAL" clId="{3A5A639A-8891-4B5F-9C9A-11234CF03293}" dt="2024-01-09T23:25:57.523" v="407" actId="20577"/>
+      <pc:docMkLst>
+        <pc:docMk/>
+      </pc:docMkLst>
+      <pc:sldChg chg="addSp delSp modSp mod">
+        <pc:chgData name="Ariel Rojas Alvarez" userId="f203edef-e99f-4492-88de-86ec23d69b8b" providerId="ADAL" clId="{3A5A639A-8891-4B5F-9C9A-11234CF03293}" dt="2024-01-09T23:25:57.523" v="407" actId="20577"/>
+        <pc:sldMkLst>
+          <pc:docMk/>
+          <pc:sldMk cId="927266003" sldId="257"/>
+        </pc:sldMkLst>
+        <pc:spChg chg="mod">
+          <ac:chgData name="Ariel Rojas Alvarez" userId="f203edef-e99f-4492-88de-86ec23d69b8b" providerId="ADAL" clId="{3A5A639A-8891-4B5F-9C9A-11234CF03293}" dt="2024-01-08T23:22:02.433" v="259" actId="208"/>
+          <ac:spMkLst>
+            <pc:docMk/>
+            <pc:sldMk cId="927266003" sldId="257"/>
+            <ac:spMk id="2" creationId="{3E11D17A-0AA2-D330-2DB2-4A272ACE0608}"/>
+          </ac:spMkLst>
+        </pc:spChg>
+        <pc:spChg chg="add mod">
+          <ac:chgData name="Ariel Rojas Alvarez" userId="f203edef-e99f-4492-88de-86ec23d69b8b" providerId="ADAL" clId="{3A5A639A-8891-4B5F-9C9A-11234CF03293}" dt="2024-01-09T23:20:26.350" v="386" actId="1036"/>
+          <ac:spMkLst>
+            <pc:docMk/>
+            <pc:sldMk cId="927266003" sldId="257"/>
+            <ac:spMk id="3" creationId="{B40C5B8E-CD7C-D0AB-E5E2-840013F3410D}"/>
+          </ac:spMkLst>
+        </pc:spChg>
+        <pc:spChg chg="add del mod">
+          <ac:chgData name="Ariel Rojas Alvarez" userId="f203edef-e99f-4492-88de-86ec23d69b8b" providerId="ADAL" clId="{3A5A639A-8891-4B5F-9C9A-11234CF03293}" dt="2024-01-08T23:10:07.237" v="158"/>
+          <ac:spMkLst>
+            <pc:docMk/>
+            <pc:sldMk cId="927266003" sldId="257"/>
+            <ac:spMk id="6" creationId="{83C0C97A-C6AB-162A-EAC1-8E62C23CDCC4}"/>
+          </ac:spMkLst>
+        </pc:spChg>
+        <pc:spChg chg="add del mod">
+          <ac:chgData name="Ariel Rojas Alvarez" userId="f203edef-e99f-4492-88de-86ec23d69b8b" providerId="ADAL" clId="{3A5A639A-8891-4B5F-9C9A-11234CF03293}" dt="2024-01-09T23:16:54.007" v="344" actId="478"/>
+          <ac:spMkLst>
+            <pc:docMk/>
+            <pc:sldMk cId="927266003" sldId="257"/>
+            <ac:spMk id="7" creationId="{D3D58D77-6DE2-D41D-E5D1-A98079D25D34}"/>
+          </ac:spMkLst>
+        </pc:spChg>
+        <pc:spChg chg="add mod">
+          <ac:chgData name="Ariel Rojas Alvarez" userId="f203edef-e99f-4492-88de-86ec23d69b8b" providerId="ADAL" clId="{3A5A639A-8891-4B5F-9C9A-11234CF03293}" dt="2024-01-08T23:15:20.468" v="191" actId="1076"/>
+          <ac:spMkLst>
+            <pc:docMk/>
+            <pc:sldMk cId="927266003" sldId="257"/>
+            <ac:spMk id="8" creationId="{870C4DC1-A1F1-CB46-9B20-AA6F96A59F33}"/>
+          </ac:spMkLst>
+        </pc:spChg>
+        <pc:spChg chg="add mod">
+          <ac:chgData name="Ariel Rojas Alvarez" userId="f203edef-e99f-4492-88de-86ec23d69b8b" providerId="ADAL" clId="{3A5A639A-8891-4B5F-9C9A-11234CF03293}" dt="2024-01-08T23:15:29.874" v="203" actId="20577"/>
+          <ac:spMkLst>
+            <pc:docMk/>
+            <pc:sldMk cId="927266003" sldId="257"/>
+            <ac:spMk id="9" creationId="{18FCD047-9191-3CAB-2559-5E2DB7246A2D}"/>
+          </ac:spMkLst>
+        </pc:spChg>
+        <pc:spChg chg="add del mod">
+          <ac:chgData name="Ariel Rojas Alvarez" userId="f203edef-e99f-4492-88de-86ec23d69b8b" providerId="ADAL" clId="{3A5A639A-8891-4B5F-9C9A-11234CF03293}" dt="2024-01-09T23:13:19.030" v="296" actId="478"/>
+          <ac:spMkLst>
+            <pc:docMk/>
+            <pc:sldMk cId="927266003" sldId="257"/>
+            <ac:spMk id="13" creationId="{675EABF4-1608-9708-B106-47A1EC951ACB}"/>
+          </ac:spMkLst>
+        </pc:spChg>
+        <pc:spChg chg="mod">
+          <ac:chgData name="Ariel Rojas Alvarez" userId="f203edef-e99f-4492-88de-86ec23d69b8b" providerId="ADAL" clId="{3A5A639A-8891-4B5F-9C9A-11234CF03293}" dt="2024-01-08T23:24:49.346" v="294" actId="122"/>
+          <ac:spMkLst>
+            <pc:docMk/>
+            <pc:sldMk cId="927266003" sldId="257"/>
+            <ac:spMk id="14" creationId="{8921A3EB-C498-363D-A30E-D43CB2914FEC}"/>
+          </ac:spMkLst>
+        </pc:spChg>
+        <pc:spChg chg="add del mod">
+          <ac:chgData name="Ariel Rojas Alvarez" userId="f203edef-e99f-4492-88de-86ec23d69b8b" providerId="ADAL" clId="{3A5A639A-8891-4B5F-9C9A-11234CF03293}" dt="2024-01-09T23:13:17.171" v="295" actId="478"/>
+          <ac:spMkLst>
+            <pc:docMk/>
+            <pc:sldMk cId="927266003" sldId="257"/>
+            <ac:spMk id="15" creationId="{728AB5F4-D7E8-D599-61C1-E99730433052}"/>
+          </ac:spMkLst>
+        </pc:spChg>
+        <pc:spChg chg="mod">
+          <ac:chgData name="Ariel Rojas Alvarez" userId="f203edef-e99f-4492-88de-86ec23d69b8b" providerId="ADAL" clId="{3A5A639A-8891-4B5F-9C9A-11234CF03293}" dt="2024-01-08T23:21:59.584" v="258" actId="208"/>
+          <ac:spMkLst>
+            <pc:docMk/>
+            <pc:sldMk cId="927266003" sldId="257"/>
+            <ac:spMk id="49" creationId="{3B54D7D8-0DE5-2C65-0D24-591510A32DB1}"/>
+          </ac:spMkLst>
+        </pc:spChg>
+        <pc:spChg chg="mod">
+          <ac:chgData name="Ariel Rojas Alvarez" userId="f203edef-e99f-4492-88de-86ec23d69b8b" providerId="ADAL" clId="{3A5A639A-8891-4B5F-9C9A-11234CF03293}" dt="2024-01-08T23:22:09.085" v="260" actId="208"/>
+          <ac:spMkLst>
+            <pc:docMk/>
+            <pc:sldMk cId="927266003" sldId="257"/>
+            <ac:spMk id="50" creationId="{3DCBF857-DA34-9F5F-5548-D7678E379074}"/>
+          </ac:spMkLst>
+        </pc:spChg>
+        <pc:spChg chg="mod">
+          <ac:chgData name="Ariel Rojas Alvarez" userId="f203edef-e99f-4492-88de-86ec23d69b8b" providerId="ADAL" clId="{3A5A639A-8891-4B5F-9C9A-11234CF03293}" dt="2024-01-09T23:20:22.810" v="379" actId="1036"/>
+          <ac:spMkLst>
+            <pc:docMk/>
+            <pc:sldMk cId="927266003" sldId="257"/>
+            <ac:spMk id="54" creationId="{8D7E9438-E355-0E61-69AC-E54514F8B335}"/>
+          </ac:spMkLst>
+        </pc:spChg>
+        <pc:spChg chg="mod">
+          <ac:chgData name="Ariel Rojas Alvarez" userId="f203edef-e99f-4492-88de-86ec23d69b8b" providerId="ADAL" clId="{3A5A639A-8891-4B5F-9C9A-11234CF03293}" dt="2024-01-09T23:20:11.967" v="372" actId="1076"/>
+          <ac:spMkLst>
+            <pc:docMk/>
+            <pc:sldMk cId="927266003" sldId="257"/>
+            <ac:spMk id="55" creationId="{282E5FCB-F24A-36E6-AEFC-9BACEEA7A5BE}"/>
+          </ac:spMkLst>
+        </pc:spChg>
+        <pc:spChg chg="mod">
+          <ac:chgData name="Ariel Rojas Alvarez" userId="f203edef-e99f-4492-88de-86ec23d69b8b" providerId="ADAL" clId="{3A5A639A-8891-4B5F-9C9A-11234CF03293}" dt="2024-01-08T23:22:57.822" v="267" actId="1037"/>
+          <ac:spMkLst>
+            <pc:docMk/>
+            <pc:sldMk cId="927266003" sldId="257"/>
+            <ac:spMk id="109" creationId="{8F411FA5-6145-5ADC-6E04-70087EC0D25D}"/>
+          </ac:spMkLst>
+        </pc:spChg>
+        <pc:spChg chg="mod">
+          <ac:chgData name="Ariel Rojas Alvarez" userId="f203edef-e99f-4492-88de-86ec23d69b8b" providerId="ADAL" clId="{3A5A639A-8891-4B5F-9C9A-11234CF03293}" dt="2024-01-08T23:22:57.822" v="267" actId="1037"/>
+          <ac:spMkLst>
+            <pc:docMk/>
+            <pc:sldMk cId="927266003" sldId="257"/>
+            <ac:spMk id="110" creationId="{506F9F92-1194-1209-0955-24F1123EE390}"/>
+          </ac:spMkLst>
+        </pc:spChg>
+        <pc:spChg chg="del">
+          <ac:chgData name="Ariel Rojas Alvarez" userId="f203edef-e99f-4492-88de-86ec23d69b8b" providerId="ADAL" clId="{3A5A639A-8891-4B5F-9C9A-11234CF03293}" dt="2024-01-08T22:51:52.405" v="0" actId="478"/>
+          <ac:spMkLst>
+            <pc:docMk/>
+            <pc:sldMk cId="927266003" sldId="257"/>
+            <ac:spMk id="113" creationId="{1883087D-0271-C825-D899-C5E86EE27363}"/>
+          </ac:spMkLst>
+        </pc:spChg>
+        <pc:spChg chg="mod">
+          <ac:chgData name="Ariel Rojas Alvarez" userId="f203edef-e99f-4492-88de-86ec23d69b8b" providerId="ADAL" clId="{3A5A639A-8891-4B5F-9C9A-11234CF03293}" dt="2024-01-08T23:22:57.822" v="267" actId="1037"/>
+          <ac:spMkLst>
+            <pc:docMk/>
+            <pc:sldMk cId="927266003" sldId="257"/>
+            <ac:spMk id="114" creationId="{64B1E67F-8F9C-00BA-58CA-E90BCC9EC367}"/>
+          </ac:spMkLst>
+        </pc:spChg>
+        <pc:spChg chg="mod">
+          <ac:chgData name="Ariel Rojas Alvarez" userId="f203edef-e99f-4492-88de-86ec23d69b8b" providerId="ADAL" clId="{3A5A639A-8891-4B5F-9C9A-11234CF03293}" dt="2024-01-08T23:22:09.085" v="260" actId="208"/>
+          <ac:spMkLst>
+            <pc:docMk/>
+            <pc:sldMk cId="927266003" sldId="257"/>
+            <ac:spMk id="115" creationId="{97679D10-D68C-7273-81ED-F3117F275521}"/>
+          </ac:spMkLst>
+        </pc:spChg>
+        <pc:spChg chg="mod">
+          <ac:chgData name="Ariel Rojas Alvarez" userId="f203edef-e99f-4492-88de-86ec23d69b8b" providerId="ADAL" clId="{3A5A639A-8891-4B5F-9C9A-11234CF03293}" dt="2024-01-08T23:22:09.085" v="260" actId="208"/>
+          <ac:spMkLst>
+            <pc:docMk/>
+            <pc:sldMk cId="927266003" sldId="257"/>
+            <ac:spMk id="116" creationId="{566FA4D4-988F-4BE2-3488-81C33943268F}"/>
+          </ac:spMkLst>
+        </pc:spChg>
+        <pc:spChg chg="mod">
+          <ac:chgData name="Ariel Rojas Alvarez" userId="f203edef-e99f-4492-88de-86ec23d69b8b" providerId="ADAL" clId="{3A5A639A-8891-4B5F-9C9A-11234CF03293}" dt="2024-01-08T23:22:09.085" v="260" actId="208"/>
+          <ac:spMkLst>
+            <pc:docMk/>
+            <pc:sldMk cId="927266003" sldId="257"/>
+            <ac:spMk id="117" creationId="{B39EFE14-C39F-819F-6CF7-C9294968F434}"/>
+          </ac:spMkLst>
+        </pc:spChg>
+        <pc:spChg chg="mod">
+          <ac:chgData name="Ariel Rojas Alvarez" userId="f203edef-e99f-4492-88de-86ec23d69b8b" providerId="ADAL" clId="{3A5A639A-8891-4B5F-9C9A-11234CF03293}" dt="2024-01-08T23:22:09.085" v="260" actId="208"/>
+          <ac:spMkLst>
+            <pc:docMk/>
+            <pc:sldMk cId="927266003" sldId="257"/>
+            <ac:spMk id="118" creationId="{B5B1BE38-785E-E66A-15E0-80339DCB115A}"/>
+          </ac:spMkLst>
+        </pc:spChg>
+        <pc:spChg chg="add del mod">
+          <ac:chgData name="Ariel Rojas Alvarez" userId="f203edef-e99f-4492-88de-86ec23d69b8b" providerId="ADAL" clId="{3A5A639A-8891-4B5F-9C9A-11234CF03293}" dt="2024-01-09T23:25:57.523" v="407" actId="20577"/>
+          <ac:spMkLst>
+            <pc:docMk/>
+            <pc:sldMk cId="927266003" sldId="257"/>
+            <ac:spMk id="197" creationId="{E90CAC25-9E28-6DCE-0F4C-D5249E34F75E}"/>
+          </ac:spMkLst>
+        </pc:spChg>
+        <pc:spChg chg="mod">
+          <ac:chgData name="Ariel Rojas Alvarez" userId="f203edef-e99f-4492-88de-86ec23d69b8b" providerId="ADAL" clId="{3A5A639A-8891-4B5F-9C9A-11234CF03293}" dt="2024-01-09T23:25:31.656" v="388" actId="20577"/>
+          <ac:spMkLst>
+            <pc:docMk/>
+            <pc:sldMk cId="927266003" sldId="257"/>
+            <ac:spMk id="198" creationId="{A07F23AA-42CB-FF17-BFFE-0E6F78B107C7}"/>
+          </ac:spMkLst>
+        </pc:spChg>
+        <pc:spChg chg="mod">
+          <ac:chgData name="Ariel Rojas Alvarez" userId="f203edef-e99f-4492-88de-86ec23d69b8b" providerId="ADAL" clId="{3A5A639A-8891-4B5F-9C9A-11234CF03293}" dt="2024-01-09T23:25:53.543" v="405" actId="20577"/>
+          <ac:spMkLst>
+            <pc:docMk/>
+            <pc:sldMk cId="927266003" sldId="257"/>
+            <ac:spMk id="199" creationId="{D9C6B6FB-7C11-368D-1FA1-1166283CC76C}"/>
+          </ac:spMkLst>
+        </pc:spChg>
+        <pc:spChg chg="mod">
+          <ac:chgData name="Ariel Rojas Alvarez" userId="f203edef-e99f-4492-88de-86ec23d69b8b" providerId="ADAL" clId="{3A5A639A-8891-4B5F-9C9A-11234CF03293}" dt="2024-01-09T23:25:46.667" v="400" actId="20577"/>
+          <ac:spMkLst>
+            <pc:docMk/>
+            <pc:sldMk cId="927266003" sldId="257"/>
+            <ac:spMk id="200" creationId="{91C9A016-A1AA-CFB8-7E82-14EEC8509CAB}"/>
+          </ac:spMkLst>
+        </pc:spChg>
+        <pc:spChg chg="mod">
+          <ac:chgData name="Ariel Rojas Alvarez" userId="f203edef-e99f-4492-88de-86ec23d69b8b" providerId="ADAL" clId="{3A5A639A-8891-4B5F-9C9A-11234CF03293}" dt="2024-01-09T23:25:43.252" v="398" actId="20577"/>
+          <ac:spMkLst>
+            <pc:docMk/>
+            <pc:sldMk cId="927266003" sldId="257"/>
+            <ac:spMk id="201" creationId="{E494DD57-1BBA-E96C-8329-9898B3B57614}"/>
+          </ac:spMkLst>
+        </pc:spChg>
+        <pc:spChg chg="mod">
+          <ac:chgData name="Ariel Rojas Alvarez" userId="f203edef-e99f-4492-88de-86ec23d69b8b" providerId="ADAL" clId="{3A5A639A-8891-4B5F-9C9A-11234CF03293}" dt="2024-01-09T23:25:33.821" v="390" actId="20577"/>
+          <ac:spMkLst>
+            <pc:docMk/>
+            <pc:sldMk cId="927266003" sldId="257"/>
+            <ac:spMk id="223" creationId="{584BAD20-3A15-7792-141C-3E873300DE11}"/>
+          </ac:spMkLst>
+        </pc:spChg>
+        <pc:spChg chg="mod">
+          <ac:chgData name="Ariel Rojas Alvarez" userId="f203edef-e99f-4492-88de-86ec23d69b8b" providerId="ADAL" clId="{3A5A639A-8891-4B5F-9C9A-11234CF03293}" dt="2024-01-09T23:25:37.528" v="394" actId="20577"/>
+          <ac:spMkLst>
+            <pc:docMk/>
+            <pc:sldMk cId="927266003" sldId="257"/>
+            <ac:spMk id="224" creationId="{B5A5C830-EFDD-BCA9-7DF7-360050A96C76}"/>
+          </ac:spMkLst>
+        </pc:spChg>
+        <pc:spChg chg="mod">
+          <ac:chgData name="Ariel Rojas Alvarez" userId="f203edef-e99f-4492-88de-86ec23d69b8b" providerId="ADAL" clId="{3A5A639A-8891-4B5F-9C9A-11234CF03293}" dt="2024-01-09T23:25:35.479" v="392" actId="20577"/>
+          <ac:spMkLst>
+            <pc:docMk/>
+            <pc:sldMk cId="927266003" sldId="257"/>
+            <ac:spMk id="225" creationId="{BE42D6BB-8A42-4FD3-FB1C-D9C5CC37F3F4}"/>
+          </ac:spMkLst>
+        </pc:spChg>
+        <pc:grpChg chg="mod">
+          <ac:chgData name="Ariel Rojas Alvarez" userId="f203edef-e99f-4492-88de-86ec23d69b8b" providerId="ADAL" clId="{3A5A639A-8891-4B5F-9C9A-11234CF03293}" dt="2024-01-08T23:15:46.952" v="204" actId="14100"/>
+          <ac:grpSpMkLst>
+            <pc:docMk/>
+            <pc:sldMk cId="927266003" sldId="257"/>
+            <ac:grpSpMk id="132" creationId="{CABFF8F2-A688-A8F5-EB9B-2C43C7CD1411}"/>
+          </ac:grpSpMkLst>
+        </pc:grpChg>
+        <pc:grpChg chg="mod">
+          <ac:chgData name="Ariel Rojas Alvarez" userId="f203edef-e99f-4492-88de-86ec23d69b8b" providerId="ADAL" clId="{3A5A639A-8891-4B5F-9C9A-11234CF03293}" dt="2024-01-09T23:19:40.067" v="366" actId="14100"/>
+          <ac:grpSpMkLst>
+            <pc:docMk/>
+            <pc:sldMk cId="927266003" sldId="257"/>
+            <ac:grpSpMk id="151" creationId="{FF63AB98-E3D0-1163-9144-D6A25CB04818}"/>
+          </ac:grpSpMkLst>
+        </pc:grpChg>
+        <pc:cxnChg chg="add mod">
+          <ac:chgData name="Ariel Rojas Alvarez" userId="f203edef-e99f-4492-88de-86ec23d69b8b" providerId="ADAL" clId="{3A5A639A-8891-4B5F-9C9A-11234CF03293}" dt="2024-01-08T23:16:14.226" v="219" actId="693"/>
+          <ac:cxnSpMkLst>
+            <pc:docMk/>
+            <pc:sldMk cId="927266003" sldId="257"/>
+            <ac:cxnSpMk id="11" creationId="{611C2A3C-7583-40D5-0F1C-509E1664857B}"/>
+          </ac:cxnSpMkLst>
+        </pc:cxnChg>
+        <pc:cxnChg chg="mod">
+          <ac:chgData name="Ariel Rojas Alvarez" userId="f203edef-e99f-4492-88de-86ec23d69b8b" providerId="ADAL" clId="{3A5A639A-8891-4B5F-9C9A-11234CF03293}" dt="2024-01-08T23:23:34.836" v="285" actId="14100"/>
+          <ac:cxnSpMkLst>
+            <pc:docMk/>
+            <pc:sldMk cId="927266003" sldId="257"/>
+            <ac:cxnSpMk id="153" creationId="{8C7E532F-DD61-26B9-CC10-F523162DFA12}"/>
+          </ac:cxnSpMkLst>
+        </pc:cxnChg>
+        <pc:cxnChg chg="mod">
+          <ac:chgData name="Ariel Rojas Alvarez" userId="f203edef-e99f-4492-88de-86ec23d69b8b" providerId="ADAL" clId="{3A5A639A-8891-4B5F-9C9A-11234CF03293}" dt="2024-01-08T23:24:13.682" v="288" actId="14100"/>
+          <ac:cxnSpMkLst>
+            <pc:docMk/>
+            <pc:sldMk cId="927266003" sldId="257"/>
+            <ac:cxnSpMk id="154" creationId="{9C6D9F1E-DEE8-6C72-7019-B4DF9ED07D7C}"/>
+          </ac:cxnSpMkLst>
+        </pc:cxnChg>
+        <pc:cxnChg chg="mod">
+          <ac:chgData name="Ariel Rojas Alvarez" userId="f203edef-e99f-4492-88de-86ec23d69b8b" providerId="ADAL" clId="{3A5A639A-8891-4B5F-9C9A-11234CF03293}" dt="2024-01-08T23:24:15.120" v="290" actId="1035"/>
+          <ac:cxnSpMkLst>
+            <pc:docMk/>
+            <pc:sldMk cId="927266003" sldId="257"/>
+            <ac:cxnSpMk id="157" creationId="{63A608DF-49F7-81C3-46FA-1F7622C30E67}"/>
+          </ac:cxnSpMkLst>
+        </pc:cxnChg>
+        <pc:cxnChg chg="mod">
+          <ac:chgData name="Ariel Rojas Alvarez" userId="f203edef-e99f-4492-88de-86ec23d69b8b" providerId="ADAL" clId="{3A5A639A-8891-4B5F-9C9A-11234CF03293}" dt="2024-01-08T23:22:09.085" v="260" actId="208"/>
+          <ac:cxnSpMkLst>
+            <pc:docMk/>
+            <pc:sldMk cId="927266003" sldId="257"/>
+            <ac:cxnSpMk id="161" creationId="{3A7EF99D-E1FE-6E2D-523E-0C4ED06012BE}"/>
+          </ac:cxnSpMkLst>
+        </pc:cxnChg>
+        <pc:cxnChg chg="mod">
+          <ac:chgData name="Ariel Rojas Alvarez" userId="f203edef-e99f-4492-88de-86ec23d69b8b" providerId="ADAL" clId="{3A5A639A-8891-4B5F-9C9A-11234CF03293}" dt="2024-01-08T23:22:38.754" v="266" actId="1037"/>
+          <ac:cxnSpMkLst>
+            <pc:docMk/>
+            <pc:sldMk cId="927266003" sldId="257"/>
+            <ac:cxnSpMk id="164" creationId="{27E78BE7-D1F0-FC8D-5FC2-28B676E73A9A}"/>
+          </ac:cxnSpMkLst>
+        </pc:cxnChg>
+        <pc:cxnChg chg="mod">
+          <ac:chgData name="Ariel Rojas Alvarez" userId="f203edef-e99f-4492-88de-86ec23d69b8b" providerId="ADAL" clId="{3A5A639A-8891-4B5F-9C9A-11234CF03293}" dt="2024-01-08T23:22:32.106" v="264" actId="14100"/>
+          <ac:cxnSpMkLst>
+            <pc:docMk/>
+            <pc:sldMk cId="927266003" sldId="257"/>
+            <ac:cxnSpMk id="167" creationId="{91852D0B-4ABD-34A9-4B4D-0ED1BBF1FD03}"/>
+          </ac:cxnSpMkLst>
+        </pc:cxnChg>
+        <pc:cxnChg chg="mod">
+          <ac:chgData name="Ariel Rojas Alvarez" userId="f203edef-e99f-4492-88de-86ec23d69b8b" providerId="ADAL" clId="{3A5A639A-8891-4B5F-9C9A-11234CF03293}" dt="2024-01-08T23:24:36.386" v="292" actId="208"/>
+          <ac:cxnSpMkLst>
+            <pc:docMk/>
+            <pc:sldMk cId="927266003" sldId="257"/>
+            <ac:cxnSpMk id="177" creationId="{04E62E52-7BF3-6F8C-F7E9-724FD00E6BE3}"/>
+          </ac:cxnSpMkLst>
+        </pc:cxnChg>
+        <pc:cxnChg chg="mod">
+          <ac:chgData name="Ariel Rojas Alvarez" userId="f203edef-e99f-4492-88de-86ec23d69b8b" providerId="ADAL" clId="{3A5A639A-8891-4B5F-9C9A-11234CF03293}" dt="2024-01-08T23:24:38.853" v="293" actId="208"/>
+          <ac:cxnSpMkLst>
+            <pc:docMk/>
+            <pc:sldMk cId="927266003" sldId="257"/>
+            <ac:cxnSpMk id="192" creationId="{EE23B8E7-BF66-1719-FF10-6C2A06736A51}"/>
+          </ac:cxnSpMkLst>
+        </pc:cxnChg>
+        <pc:cxnChg chg="mod">
+          <ac:chgData name="Ariel Rojas Alvarez" userId="f203edef-e99f-4492-88de-86ec23d69b8b" providerId="ADAL" clId="{3A5A639A-8891-4B5F-9C9A-11234CF03293}" dt="2024-01-08T23:23:19.268" v="269" actId="14100"/>
+          <ac:cxnSpMkLst>
+            <pc:docMk/>
+            <pc:sldMk cId="927266003" sldId="257"/>
+            <ac:cxnSpMk id="204" creationId="{11D8F9AA-666E-1591-7496-EA01614132FD}"/>
+          </ac:cxnSpMkLst>
+        </pc:cxnChg>
+        <pc:cxnChg chg="mod">
+          <ac:chgData name="Ariel Rojas Alvarez" userId="f203edef-e99f-4492-88de-86ec23d69b8b" providerId="ADAL" clId="{3A5A639A-8891-4B5F-9C9A-11234CF03293}" dt="2024-01-08T23:24:36.386" v="292" actId="208"/>
+          <ac:cxnSpMkLst>
+            <pc:docMk/>
+            <pc:sldMk cId="927266003" sldId="257"/>
+            <ac:cxnSpMk id="205" creationId="{BE68E79B-DB8E-DF60-ACF5-AB10C1F2ACC3}"/>
+          </ac:cxnSpMkLst>
+        </pc:cxnChg>
+        <pc:cxnChg chg="mod">
+          <ac:chgData name="Ariel Rojas Alvarez" userId="f203edef-e99f-4492-88de-86ec23d69b8b" providerId="ADAL" clId="{3A5A639A-8891-4B5F-9C9A-11234CF03293}" dt="2024-01-08T23:22:09.085" v="260" actId="208"/>
+          <ac:cxnSpMkLst>
+            <pc:docMk/>
+            <pc:sldMk cId="927266003" sldId="257"/>
+            <ac:cxnSpMk id="213" creationId="{E18702C9-77B5-FF72-424A-DE46F638C321}"/>
+          </ac:cxnSpMkLst>
+        </pc:cxnChg>
+        <pc:cxnChg chg="mod">
+          <ac:chgData name="Ariel Rojas Alvarez" userId="f203edef-e99f-4492-88de-86ec23d69b8b" providerId="ADAL" clId="{3A5A639A-8891-4B5F-9C9A-11234CF03293}" dt="2024-01-08T23:24:22.401" v="291" actId="14100"/>
+          <ac:cxnSpMkLst>
+            <pc:docMk/>
+            <pc:sldMk cId="927266003" sldId="257"/>
+            <ac:cxnSpMk id="216" creationId="{66263BAC-5DE0-8D39-891B-377C9BFB0C49}"/>
+          </ac:cxnSpMkLst>
+        </pc:cxnChg>
+        <pc:cxnChg chg="mod">
+          <ac:chgData name="Ariel Rojas Alvarez" userId="f203edef-e99f-4492-88de-86ec23d69b8b" providerId="ADAL" clId="{3A5A639A-8891-4B5F-9C9A-11234CF03293}" dt="2024-01-09T23:17:26.297" v="348" actId="1076"/>
+          <ac:cxnSpMkLst>
+            <pc:docMk/>
+            <pc:sldMk cId="927266003" sldId="257"/>
+            <ac:cxnSpMk id="220" creationId="{4C269B3E-7C18-EE50-E269-98A1DE73508D}"/>
+          </ac:cxnSpMkLst>
+        </pc:cxnChg>
+      </pc:sldChg>
+    </pc:docChg>
+  </pc:docChgLst>
+</pc:chgInfo>
+</file>
+
 <file path=ppt/notesMasters/notesMaster1.xml><?xml version="1.0" encoding="utf-8"?>
 <p:notesMaster xmlns:a="http://schemas.openxmlformats.org/drawingml/2006/main" xmlns:r="http://schemas.openxmlformats.org/officeDocument/2006/relationships" xmlns:p="http://schemas.openxmlformats.org/presentationml/2006/main">
   <p:cSld>
@@ -198,7 +587,7 @@
           <a:p>
             <a:fld id="{044555AD-4AA1-FA42-8FD3-EB1FC2DBADED}" type="datetimeFigureOut">
               <a:rPr lang="en-US" smtClean="0"/>
-              <a:t>10/26/23</a:t>
+              <a:t>1/9/2024</a:t>
             </a:fld>
             <a:endParaRPr lang="en-US"/>
           </a:p>
@@ -696,7 +1085,7 @@
           <a:p>
             <a:fld id="{F0438D75-6BB9-074B-BA56-18BB868D5A9A}" type="datetimeFigureOut">
               <a:rPr lang="en-US" smtClean="0"/>
-              <a:t>10/26/23</a:t>
+              <a:t>1/9/2024</a:t>
             </a:fld>
             <a:endParaRPr lang="en-US"/>
           </a:p>
@@ -894,7 +1283,7 @@
           <a:p>
             <a:fld id="{F0438D75-6BB9-074B-BA56-18BB868D5A9A}" type="datetimeFigureOut">
               <a:rPr lang="en-US" smtClean="0"/>
-              <a:t>10/26/23</a:t>
+              <a:t>1/9/2024</a:t>
             </a:fld>
             <a:endParaRPr lang="en-US"/>
           </a:p>
@@ -1102,7 +1491,7 @@
           <a:p>
             <a:fld id="{F0438D75-6BB9-074B-BA56-18BB868D5A9A}" type="datetimeFigureOut">
               <a:rPr lang="en-US" smtClean="0"/>
-              <a:t>10/26/23</a:t>
+              <a:t>1/9/2024</a:t>
             </a:fld>
             <a:endParaRPr lang="en-US"/>
           </a:p>
@@ -1300,7 +1689,7 @@
           <a:p>
             <a:fld id="{F0438D75-6BB9-074B-BA56-18BB868D5A9A}" type="datetimeFigureOut">
               <a:rPr lang="en-US" smtClean="0"/>
-              <a:t>10/26/23</a:t>
+              <a:t>1/9/2024</a:t>
             </a:fld>
             <a:endParaRPr lang="en-US"/>
           </a:p>
@@ -1575,7 +1964,7 @@
           <a:p>
             <a:fld id="{F0438D75-6BB9-074B-BA56-18BB868D5A9A}" type="datetimeFigureOut">
               <a:rPr lang="en-US" smtClean="0"/>
-              <a:t>10/26/23</a:t>
+              <a:t>1/9/2024</a:t>
             </a:fld>
             <a:endParaRPr lang="en-US"/>
           </a:p>
@@ -1840,7 +2229,7 @@
           <a:p>
             <a:fld id="{F0438D75-6BB9-074B-BA56-18BB868D5A9A}" type="datetimeFigureOut">
               <a:rPr lang="en-US" smtClean="0"/>
-              <a:t>10/26/23</a:t>
+              <a:t>1/9/2024</a:t>
             </a:fld>
             <a:endParaRPr lang="en-US"/>
           </a:p>
@@ -2252,7 +2641,7 @@
           <a:p>
             <a:fld id="{F0438D75-6BB9-074B-BA56-18BB868D5A9A}" type="datetimeFigureOut">
               <a:rPr lang="en-US" smtClean="0"/>
-              <a:t>10/26/23</a:t>
+              <a:t>1/9/2024</a:t>
             </a:fld>
             <a:endParaRPr lang="en-US"/>
           </a:p>
@@ -2393,7 +2782,7 @@
           <a:p>
             <a:fld id="{F0438D75-6BB9-074B-BA56-18BB868D5A9A}" type="datetimeFigureOut">
               <a:rPr lang="en-US" smtClean="0"/>
-              <a:t>10/26/23</a:t>
+              <a:t>1/9/2024</a:t>
             </a:fld>
             <a:endParaRPr lang="en-US"/>
           </a:p>
@@ -2506,7 +2895,7 @@
           <a:p>
             <a:fld id="{F0438D75-6BB9-074B-BA56-18BB868D5A9A}" type="datetimeFigureOut">
               <a:rPr lang="en-US" smtClean="0"/>
-              <a:t>10/26/23</a:t>
+              <a:t>1/9/2024</a:t>
             </a:fld>
             <a:endParaRPr lang="en-US"/>
           </a:p>
@@ -2817,7 +3206,7 @@
           <a:p>
             <a:fld id="{F0438D75-6BB9-074B-BA56-18BB868D5A9A}" type="datetimeFigureOut">
               <a:rPr lang="en-US" smtClean="0"/>
-              <a:t>10/26/23</a:t>
+              <a:t>1/9/2024</a:t>
             </a:fld>
             <a:endParaRPr lang="en-US"/>
           </a:p>
@@ -3105,7 +3494,7 @@
           <a:p>
             <a:fld id="{F0438D75-6BB9-074B-BA56-18BB868D5A9A}" type="datetimeFigureOut">
               <a:rPr lang="en-US" smtClean="0"/>
-              <a:t>10/26/23</a:t>
+              <a:t>1/9/2024</a:t>
             </a:fld>
             <a:endParaRPr lang="en-US"/>
           </a:p>
@@ -3346,7 +3735,7 @@
           <a:p>
             <a:fld id="{F0438D75-6BB9-074B-BA56-18BB868D5A9A}" type="datetimeFigureOut">
               <a:rPr lang="en-US" smtClean="0"/>
-              <a:t>10/26/23</a:t>
+              <a:t>1/9/2024</a:t>
             </a:fld>
             <a:endParaRPr lang="en-US"/>
           </a:p>
@@ -3873,63 +4262,6 @@
       </p:sp>
       <p:sp>
         <p:nvSpPr>
-          <p:cNvPr id="113" name="Rectangle 112">
-            <a:extLst>
-              <a:ext uri="{FF2B5EF4-FFF2-40B4-BE49-F238E27FC236}">
-                <a16:creationId xmlns:a16="http://schemas.microsoft.com/office/drawing/2014/main" id="{1883087D-0271-C825-D899-C5E86EE27363}"/>
-              </a:ext>
-            </a:extLst>
-          </p:cNvPr>
-          <p:cNvSpPr/>
-          <p:nvPr/>
-        </p:nvSpPr>
-        <p:spPr>
-          <a:xfrm>
-            <a:off x="10019801" y="667302"/>
-            <a:ext cx="1495756" cy="655584"/>
-          </a:xfrm>
-          <a:prstGeom prst="rect">
-            <a:avLst/>
-          </a:prstGeom>
-          <a:noFill/>
-          <a:ln>
-            <a:noFill/>
-          </a:ln>
-        </p:spPr>
-        <p:style>
-          <a:lnRef idx="2">
-            <a:schemeClr val="accent1">
-              <a:shade val="50000"/>
-            </a:schemeClr>
-          </a:lnRef>
-          <a:fillRef idx="1">
-            <a:schemeClr val="accent1"/>
-          </a:fillRef>
-          <a:effectRef idx="0">
-            <a:schemeClr val="accent1"/>
-          </a:effectRef>
-          <a:fontRef idx="minor">
-            <a:schemeClr val="lt1"/>
-          </a:fontRef>
-        </p:style>
-        <p:txBody>
-          <a:bodyPr rtlCol="0" anchor="ctr"/>
-          <a:lstStyle/>
-          <a:p>
-            <a:pPr algn="ctr"/>
-            <a:r>
-              <a:rPr lang="en-US" dirty="0">
-                <a:solidFill>
-                  <a:srgbClr val="FFC000"/>
-                </a:solidFill>
-              </a:rPr>
-              <a:t>Policies</a:t>
-            </a:r>
-          </a:p>
-        </p:txBody>
-      </p:sp>
-      <p:sp>
-        <p:nvSpPr>
           <p:cNvPr id="2" name="Rounded Rectangle 1">
             <a:extLst>
               <a:ext uri="{FF2B5EF4-FFF2-40B4-BE49-F238E27FC236}">
@@ -3949,7 +4281,11 @@
             <a:avLst/>
           </a:prstGeom>
           <a:noFill/>
-          <a:ln w="28575"/>
+          <a:ln w="28575">
+            <a:solidFill>
+              <a:srgbClr val="002060"/>
+            </a:solidFill>
+          </a:ln>
         </p:spPr>
         <p:style>
           <a:lnRef idx="2">
@@ -3997,10 +4333,10 @@
         </p:nvGrpSpPr>
         <p:grpSpPr>
           <a:xfrm>
-            <a:off x="3283029" y="4120531"/>
-            <a:ext cx="2665234" cy="926596"/>
+            <a:off x="3334278" y="4146284"/>
+            <a:ext cx="2826433" cy="1754757"/>
             <a:chOff x="2839454" y="3502152"/>
-            <a:chExt cx="2665234" cy="926596"/>
+            <a:chExt cx="2665234" cy="1283196"/>
           </a:xfrm>
         </p:grpSpPr>
         <p:sp>
@@ -4018,13 +4354,17 @@
           <p:spPr>
             <a:xfrm>
               <a:off x="2839454" y="3502152"/>
-              <a:ext cx="2665234" cy="926596"/>
+              <a:ext cx="2665234" cy="1283196"/>
             </a:xfrm>
             <a:prstGeom prst="roundRect">
               <a:avLst/>
             </a:prstGeom>
             <a:noFill/>
-            <a:ln w="28575"/>
+            <a:ln w="28575">
+              <a:solidFill>
+                <a:srgbClr val="002060"/>
+              </a:solidFill>
+            </a:ln>
           </p:spPr>
           <p:style>
             <a:lnRef idx="2">
@@ -4072,8 +4412,8 @@
           </p:nvSpPr>
           <p:spPr>
             <a:xfrm>
-              <a:off x="2900959" y="3881252"/>
-              <a:ext cx="1152535" cy="421298"/>
+              <a:off x="2939961" y="3870417"/>
+              <a:ext cx="1160355" cy="421298"/>
             </a:xfrm>
             <a:prstGeom prst="ellipse">
               <a:avLst/>
@@ -4081,7 +4421,7 @@
             <a:noFill/>
             <a:ln w="12700">
               <a:solidFill>
-                <a:schemeClr val="tx1"/>
+                <a:srgbClr val="002060"/>
               </a:solidFill>
             </a:ln>
           </p:spPr>
@@ -4112,7 +4452,7 @@
                     <a:schemeClr val="tx1"/>
                   </a:solidFill>
                 </a:rPr>
-                <a:t>Inventory</a:t>
+                <a:t>Purchasing</a:t>
               </a:r>
             </a:p>
           </p:txBody>
@@ -4131,8 +4471,8 @@
           </p:nvSpPr>
           <p:spPr>
             <a:xfrm>
-              <a:off x="4279849" y="3900246"/>
-              <a:ext cx="1152535" cy="421298"/>
+              <a:off x="3395188" y="4295377"/>
+              <a:ext cx="1523945" cy="421298"/>
             </a:xfrm>
             <a:prstGeom prst="ellipse">
               <a:avLst/>
@@ -4140,7 +4480,7 @@
             <a:noFill/>
             <a:ln w="12700">
               <a:solidFill>
-                <a:schemeClr val="tx1"/>
+                <a:srgbClr val="002060"/>
               </a:solidFill>
             </a:ln>
           </p:spPr>
@@ -4166,12 +4506,28 @@
             <a:p>
               <a:pPr algn="ctr"/>
               <a:r>
+                <a:rPr lang="es-CO" sz="1200" dirty="0">
+                  <a:solidFill>
+                    <a:schemeClr val="tx1"/>
+                  </a:solidFill>
+                </a:rPr>
+                <a:t>I</a:t>
+              </a:r>
+              <a:r>
+                <a:rPr lang="en-US" sz="1200" dirty="0" err="1">
+                  <a:solidFill>
+                    <a:schemeClr val="tx1"/>
+                  </a:solidFill>
+                </a:rPr>
+                <a:t>nventory</a:t>
+              </a:r>
+              <a:r>
                 <a:rPr lang="en-US" sz="1200" dirty="0">
                   <a:solidFill>
                     <a:schemeClr val="tx1"/>
                   </a:solidFill>
                 </a:rPr>
-                <a:t>Routing</a:t>
+                <a:t> Management</a:t>
               </a:r>
             </a:p>
           </p:txBody>
@@ -4218,7 +4574,11 @@
               <a:avLst/>
             </a:prstGeom>
             <a:noFill/>
-            <a:ln w="28575"/>
+            <a:ln w="28575">
+              <a:solidFill>
+                <a:srgbClr val="002060"/>
+              </a:solidFill>
+            </a:ln>
           </p:spPr>
           <p:style>
             <a:lnRef idx="2">
@@ -4266,7 +4626,7 @@
           </p:nvSpPr>
           <p:spPr>
             <a:xfrm>
-              <a:off x="9081636" y="1624482"/>
+              <a:off x="9104769" y="1624482"/>
               <a:ext cx="1152535" cy="421298"/>
             </a:xfrm>
             <a:prstGeom prst="ellipse">
@@ -4275,7 +4635,7 @@
             <a:noFill/>
             <a:ln w="12700">
               <a:solidFill>
-                <a:schemeClr val="tx1"/>
+                <a:srgbClr val="002060"/>
               </a:solidFill>
             </a:ln>
           </p:spPr>
@@ -4325,7 +4685,7 @@
           </p:nvSpPr>
           <p:spPr>
             <a:xfrm>
-              <a:off x="6151204" y="1613853"/>
+              <a:off x="6174337" y="1613853"/>
               <a:ext cx="1234248" cy="442557"/>
             </a:xfrm>
             <a:prstGeom prst="ellipse">
@@ -4334,7 +4694,7 @@
             <a:noFill/>
             <a:ln w="12700">
               <a:solidFill>
-                <a:schemeClr val="tx1"/>
+                <a:srgbClr val="002060"/>
               </a:solidFill>
             </a:ln>
           </p:spPr>
@@ -4384,7 +4744,7 @@
           </p:nvSpPr>
           <p:spPr>
             <a:xfrm>
-              <a:off x="7503731" y="1574151"/>
+              <a:off x="7526864" y="1574151"/>
               <a:ext cx="1459626" cy="551701"/>
             </a:xfrm>
             <a:prstGeom prst="ellipse">
@@ -4393,7 +4753,7 @@
             <a:noFill/>
             <a:ln w="12700">
               <a:solidFill>
-                <a:schemeClr val="tx1"/>
+                <a:srgbClr val="002060"/>
               </a:solidFill>
             </a:ln>
           </p:spPr>
@@ -4444,8 +4804,8 @@
         </p:nvGrpSpPr>
         <p:grpSpPr>
           <a:xfrm>
-            <a:off x="6421883" y="3741714"/>
-            <a:ext cx="2784166" cy="1477616"/>
+            <a:off x="6424439" y="3805728"/>
+            <a:ext cx="2784166" cy="1801720"/>
             <a:chOff x="4687892" y="3416848"/>
             <a:chExt cx="2784166" cy="1477616"/>
           </a:xfrm>
@@ -4471,7 +4831,11 @@
               <a:avLst/>
             </a:prstGeom>
             <a:noFill/>
-            <a:ln w="28575"/>
+            <a:ln w="28575">
+              <a:solidFill>
+                <a:srgbClr val="002060"/>
+              </a:solidFill>
+            </a:ln>
           </p:spPr>
           <p:style>
             <a:lnRef idx="2">
@@ -4535,8 +4899,8 @@
           </p:nvSpPr>
           <p:spPr>
             <a:xfrm>
-              <a:off x="6163546" y="3853383"/>
-              <a:ext cx="1152535" cy="421298"/>
+              <a:off x="6152841" y="4142028"/>
+              <a:ext cx="1152535" cy="284681"/>
             </a:xfrm>
             <a:prstGeom prst="ellipse">
               <a:avLst/>
@@ -4544,7 +4908,7 @@
             <a:noFill/>
             <a:ln w="12700">
               <a:solidFill>
-                <a:schemeClr val="tx1"/>
+                <a:srgbClr val="002060"/>
               </a:solidFill>
             </a:ln>
           </p:spPr>
@@ -4570,13 +4934,26 @@
             <a:p>
               <a:pPr algn="ctr"/>
               <a:r>
-                <a:rPr lang="en-US" sz="1200" dirty="0">
+                <a:rPr lang="es-CO" sz="1200" dirty="0">
                   <a:solidFill>
                     <a:schemeClr val="tx1"/>
                   </a:solidFill>
                 </a:rPr>
-                <a:t>Costs</a:t>
+                <a:t>S</a:t>
               </a:r>
+              <a:r>
+                <a:rPr lang="en-US" sz="1200" dirty="0" err="1">
+                  <a:solidFill>
+                    <a:schemeClr val="tx1"/>
+                  </a:solidFill>
+                </a:rPr>
+                <a:t>upply</a:t>
+              </a:r>
+              <a:endParaRPr lang="en-US" sz="1200" dirty="0">
+                <a:solidFill>
+                  <a:schemeClr val="tx1"/>
+                </a:solidFill>
+              </a:endParaRPr>
             </a:p>
           </p:txBody>
         </p:sp>
@@ -4594,8 +4971,8 @@
           </p:nvSpPr>
           <p:spPr>
             <a:xfrm>
-              <a:off x="6162111" y="4360207"/>
-              <a:ext cx="1152535" cy="421298"/>
+              <a:off x="6162111" y="4496825"/>
+              <a:ext cx="1152535" cy="284680"/>
             </a:xfrm>
             <a:prstGeom prst="ellipse">
               <a:avLst/>
@@ -4603,7 +4980,7 @@
             <a:noFill/>
             <a:ln w="12700">
               <a:solidFill>
-                <a:schemeClr val="tx1"/>
+                <a:srgbClr val="002060"/>
               </a:solidFill>
             </a:ln>
           </p:spPr>
@@ -4653,8 +5030,8 @@
           </p:nvSpPr>
           <p:spPr>
             <a:xfrm>
-              <a:off x="4855586" y="4360207"/>
-              <a:ext cx="1152535" cy="421298"/>
+              <a:off x="4855586" y="4496826"/>
+              <a:ext cx="1152535" cy="284679"/>
             </a:xfrm>
             <a:prstGeom prst="ellipse">
               <a:avLst/>
@@ -4662,7 +5039,7 @@
             <a:noFill/>
             <a:ln w="12700">
               <a:solidFill>
-                <a:schemeClr val="tx1"/>
+                <a:srgbClr val="002060"/>
               </a:solidFill>
             </a:ln>
           </p:spPr>
@@ -4688,13 +5065,26 @@
             <a:p>
               <a:pPr algn="ctr"/>
               <a:r>
-                <a:rPr lang="en-US" sz="1200" dirty="0">
+                <a:rPr lang="es-CO" sz="1200" dirty="0">
                   <a:solidFill>
                     <a:schemeClr val="tx1"/>
                   </a:solidFill>
                 </a:rPr>
-                <a:t>Offer</a:t>
+                <a:t>C</a:t>
               </a:r>
+              <a:r>
+                <a:rPr lang="en-US" sz="1200" dirty="0" err="1">
+                  <a:solidFill>
+                    <a:schemeClr val="tx1"/>
+                  </a:solidFill>
+                </a:rPr>
+                <a:t>osts</a:t>
+              </a:r>
+              <a:endParaRPr lang="en-US" sz="1200" dirty="0">
+                <a:solidFill>
+                  <a:schemeClr val="tx1"/>
+                </a:solidFill>
+              </a:endParaRPr>
             </a:p>
           </p:txBody>
         </p:sp>
@@ -4712,8 +5102,8 @@
           </p:nvSpPr>
           <p:spPr>
             <a:xfrm>
-              <a:off x="4849452" y="3853383"/>
-              <a:ext cx="1152535" cy="421298"/>
+              <a:off x="4855586" y="4142029"/>
+              <a:ext cx="1152535" cy="284679"/>
             </a:xfrm>
             <a:prstGeom prst="ellipse">
               <a:avLst/>
@@ -4721,7 +5111,7 @@
             <a:noFill/>
             <a:ln w="12700">
               <a:solidFill>
-                <a:schemeClr val="tx1"/>
+                <a:srgbClr val="002060"/>
               </a:solidFill>
             </a:ln>
           </p:spPr>
@@ -4774,15 +5164,15 @@
         </p:nvCxnSpPr>
         <p:spPr>
           <a:xfrm flipH="1">
-            <a:off x="3054095" y="3370203"/>
-            <a:ext cx="1800000" cy="0"/>
+            <a:off x="3053318" y="3370203"/>
+            <a:ext cx="1829353" cy="0"/>
           </a:xfrm>
           <a:prstGeom prst="line">
             <a:avLst/>
           </a:prstGeom>
           <a:ln w="28575">
             <a:solidFill>
-              <a:schemeClr val="tx1"/>
+              <a:srgbClr val="002060"/>
             </a:solidFill>
           </a:ln>
         </p:spPr>
@@ -4817,15 +5207,15 @@
         </p:nvCxnSpPr>
         <p:spPr>
           <a:xfrm>
-            <a:off x="3053318" y="1611296"/>
-            <a:ext cx="1" cy="1771200"/>
+            <a:off x="3053317" y="1602581"/>
+            <a:ext cx="2" cy="1779915"/>
           </a:xfrm>
           <a:prstGeom prst="line">
             <a:avLst/>
           </a:prstGeom>
           <a:ln w="28575">
             <a:solidFill>
-              <a:schemeClr val="tx1"/>
+              <a:srgbClr val="002060"/>
             </a:solidFill>
           </a:ln>
         </p:spPr>
@@ -4859,16 +5249,16 @@
           <p:nvPr/>
         </p:nvCxnSpPr>
         <p:spPr>
-          <a:xfrm flipH="1" flipV="1">
-            <a:off x="3054095" y="1620886"/>
-            <a:ext cx="720000" cy="0"/>
+          <a:xfrm flipH="1">
+            <a:off x="3053318" y="1616124"/>
+            <a:ext cx="720777" cy="0"/>
           </a:xfrm>
           <a:prstGeom prst="line">
             <a:avLst/>
           </a:prstGeom>
           <a:ln w="28575">
             <a:solidFill>
-              <a:schemeClr val="tx1"/>
+              <a:srgbClr val="002060"/>
             </a:solidFill>
             <a:headEnd type="triangle" w="med" len="med"/>
             <a:tailEnd type="none" w="med" len="med"/>
@@ -4914,7 +5304,7 @@
           </a:prstGeom>
           <a:ln w="28575">
             <a:solidFill>
-              <a:schemeClr val="tx1"/>
+              <a:srgbClr val="002060"/>
             </a:solidFill>
             <a:headEnd type="none" w="med" len="med"/>
             <a:tailEnd type="triangle" w="med" len="med"/>
@@ -4946,21 +5336,20 @@
           </p:cNvPr>
           <p:cNvCxnSpPr>
             <a:cxnSpLocks/>
-            <a:endCxn id="49" idx="3"/>
           </p:cNvCxnSpPr>
           <p:nvPr/>
         </p:nvCxnSpPr>
         <p:spPr>
           <a:xfrm flipH="1">
-            <a:off x="8013297" y="1830748"/>
-            <a:ext cx="792375" cy="17255"/>
+            <a:off x="8010916" y="1842850"/>
+            <a:ext cx="809234" cy="5153"/>
           </a:xfrm>
           <a:prstGeom prst="line">
             <a:avLst/>
           </a:prstGeom>
           <a:ln w="28575">
             <a:solidFill>
-              <a:schemeClr val="tx1"/>
+              <a:srgbClr val="002060"/>
             </a:solidFill>
           </a:ln>
         </p:spPr>
@@ -4995,15 +5384,15 @@
         </p:nvCxnSpPr>
         <p:spPr>
           <a:xfrm>
-            <a:off x="8805672" y="1818046"/>
-            <a:ext cx="0" cy="1458000"/>
+            <a:off x="8805672" y="1842850"/>
+            <a:ext cx="0" cy="1433196"/>
           </a:xfrm>
           <a:prstGeom prst="line">
             <a:avLst/>
           </a:prstGeom>
           <a:ln w="28575">
             <a:solidFill>
-              <a:schemeClr val="tx1"/>
+              <a:srgbClr val="002060"/>
             </a:solidFill>
           </a:ln>
         </p:spPr>
@@ -5046,7 +5435,7 @@
           </a:prstGeom>
           <a:ln w="28575">
             <a:solidFill>
-              <a:schemeClr val="tx1"/>
+              <a:srgbClr val="002060"/>
             </a:solidFill>
             <a:headEnd type="none" w="med" len="med"/>
             <a:tailEnd type="triangle" w="med" len="med"/>
@@ -5083,15 +5472,15 @@
         </p:nvCxnSpPr>
         <p:spPr>
           <a:xfrm flipH="1" flipV="1">
-            <a:off x="6625645" y="3438101"/>
-            <a:ext cx="374539" cy="301460"/>
+            <a:off x="6595275" y="3539844"/>
+            <a:ext cx="323357" cy="253274"/>
           </a:xfrm>
           <a:prstGeom prst="line">
             <a:avLst/>
           </a:prstGeom>
           <a:ln w="28575">
             <a:solidFill>
-              <a:schemeClr val="tx1"/>
+              <a:srgbClr val="002060"/>
             </a:solidFill>
             <a:prstDash val="sysDot"/>
             <a:headEnd type="none" w="med" len="med"/>
@@ -5113,8 +5502,8 @@
           </a:fontRef>
         </p:style>
       </p:cxnSp>
-      <mc:AlternateContent xmlns:mc="http://schemas.openxmlformats.org/markup-compatibility/2006" xmlns:a14="http://schemas.microsoft.com/office/drawing/2010/main">
-        <mc:Choice Requires="a14">
+      <mc:AlternateContent xmlns:mc="http://schemas.openxmlformats.org/markup-compatibility/2006">
+        <mc:Choice xmlns:a14="http://schemas.microsoft.com/office/drawing/2010/main" Requires="a14">
           <p:sp>
             <p:nvSpPr>
               <p:cNvPr id="197" name="TextBox 196">
@@ -5129,7 +5518,7 @@
             </p:nvSpPr>
             <p:spPr>
               <a:xfrm>
-                <a:off x="8849678" y="2412246"/>
+                <a:off x="8887333" y="2391665"/>
                 <a:ext cx="286553" cy="276999"/>
               </a:xfrm>
               <a:prstGeom prst="rect">
@@ -5168,7 +5557,7 @@
                         </m:e>
                         <m:sub>
                           <m:r>
-                            <a:rPr lang="en-US" b="0" i="1" smtClean="0">
+                            <a:rPr lang="es-CO" b="0" i="1" smtClean="0">
                               <a:latin typeface="Cambria Math" panose="02040503050406030204" pitchFamily="18" charset="0"/>
                             </a:rPr>
                             <m:t>𝑡</m:t>
@@ -5183,7 +5572,7 @@
             </p:txBody>
           </p:sp>
         </mc:Choice>
-        <mc:Fallback xmlns="">
+        <mc:Fallback>
           <p:sp>
             <p:nvSpPr>
               <p:cNvPr id="197" name="TextBox 196">
@@ -5200,7 +5589,7 @@
             </p:nvSpPr>
             <p:spPr>
               <a:xfrm>
-                <a:off x="8849678" y="2412246"/>
+                <a:off x="8887333" y="2391665"/>
                 <a:ext cx="286553" cy="276999"/>
               </a:xfrm>
               <a:prstGeom prst="rect">
@@ -5209,7 +5598,7 @@
               <a:blipFill>
                 <a:blip r:embed="rId3"/>
                 <a:stretch>
-                  <a:fillRect l="-16667" r="-4167" b="-18182"/>
+                  <a:fillRect l="-21277" r="-4255" b="-13043"/>
                 </a:stretch>
               </a:blipFill>
             </p:spPr>
@@ -5228,8 +5617,8 @@
           </p:sp>
         </mc:Fallback>
       </mc:AlternateContent>
-      <mc:AlternateContent xmlns:mc="http://schemas.openxmlformats.org/markup-compatibility/2006" xmlns:a14="http://schemas.microsoft.com/office/drawing/2010/main">
-        <mc:Choice Requires="a14">
+      <mc:AlternateContent xmlns:mc="http://schemas.openxmlformats.org/markup-compatibility/2006">
+        <mc:Choice xmlns:a14="http://schemas.microsoft.com/office/drawing/2010/main" Requires="a14">
           <p:sp>
             <p:nvSpPr>
               <p:cNvPr id="198" name="TextBox 197">
@@ -5283,7 +5672,7 @@
                         </m:e>
                         <m:sub>
                           <m:r>
-                            <a:rPr lang="en-US" b="0" i="1" smtClean="0">
+                            <a:rPr lang="es-CO" b="0" i="1" smtClean="0">
                               <a:latin typeface="Cambria Math" panose="02040503050406030204" pitchFamily="18" charset="0"/>
                             </a:rPr>
                             <m:t>𝑡</m:t>
@@ -5298,7 +5687,7 @@
             </p:txBody>
           </p:sp>
         </mc:Choice>
-        <mc:Fallback xmlns="">
+        <mc:Fallback>
           <p:sp>
             <p:nvSpPr>
               <p:cNvPr id="198" name="TextBox 197">
@@ -5324,7 +5713,7 @@
               <a:blipFill>
                 <a:blip r:embed="rId4"/>
                 <a:stretch>
-                  <a:fillRect l="-19048" r="-4762" b="-13043"/>
+                  <a:fillRect l="-21429" r="-2381" b="-15556"/>
                 </a:stretch>
               </a:blipFill>
             </p:spPr>
@@ -5343,8 +5732,8 @@
           </p:sp>
         </mc:Fallback>
       </mc:AlternateContent>
-      <mc:AlternateContent xmlns:mc="http://schemas.openxmlformats.org/markup-compatibility/2006" xmlns:a14="http://schemas.microsoft.com/office/drawing/2010/main">
-        <mc:Choice Requires="a14">
+      <mc:AlternateContent xmlns:mc="http://schemas.openxmlformats.org/markup-compatibility/2006">
+        <mc:Choice xmlns:a14="http://schemas.microsoft.com/office/drawing/2010/main" Requires="a14">
           <p:sp>
             <p:nvSpPr>
               <p:cNvPr id="199" name="TextBox 198">
@@ -5359,7 +5748,7 @@
             </p:nvSpPr>
             <p:spPr>
               <a:xfrm>
-                <a:off x="6857892" y="3432122"/>
+                <a:off x="6818604" y="3494008"/>
                 <a:ext cx="200055" cy="215444"/>
               </a:xfrm>
               <a:prstGeom prst="rect">
@@ -5398,7 +5787,7 @@
                         </m:e>
                         <m:sub>
                           <m:r>
-                            <a:rPr lang="en-US" sz="1400" b="0" i="1" smtClean="0">
+                            <a:rPr lang="es-CO" sz="1400" b="0" i="1" smtClean="0">
                               <a:latin typeface="Cambria Math" panose="02040503050406030204" pitchFamily="18" charset="0"/>
                             </a:rPr>
                             <m:t>𝑡</m:t>
@@ -5413,7 +5802,7 @@
             </p:txBody>
           </p:sp>
         </mc:Choice>
-        <mc:Fallback xmlns="">
+        <mc:Fallback>
           <p:sp>
             <p:nvSpPr>
               <p:cNvPr id="199" name="TextBox 198">
@@ -5430,7 +5819,7 @@
             </p:nvSpPr>
             <p:spPr>
               <a:xfrm>
-                <a:off x="6857892" y="3432122"/>
+                <a:off x="6818604" y="3494008"/>
                 <a:ext cx="200055" cy="215444"/>
               </a:xfrm>
               <a:prstGeom prst="rect">
@@ -5439,7 +5828,7 @@
               <a:blipFill>
                 <a:blip r:embed="rId5"/>
                 <a:stretch>
-                  <a:fillRect l="-18750" r="-6250" b="-11111"/>
+                  <a:fillRect l="-21875" r="-6250" b="-11111"/>
                 </a:stretch>
               </a:blipFill>
             </p:spPr>
@@ -5458,8 +5847,8 @@
           </p:sp>
         </mc:Fallback>
       </mc:AlternateContent>
-      <mc:AlternateContent xmlns:mc="http://schemas.openxmlformats.org/markup-compatibility/2006" xmlns:a14="http://schemas.microsoft.com/office/drawing/2010/main">
-        <mc:Choice Requires="a14">
+      <mc:AlternateContent xmlns:mc="http://schemas.openxmlformats.org/markup-compatibility/2006">
+        <mc:Choice xmlns:a14="http://schemas.microsoft.com/office/drawing/2010/main" Requires="a14">
           <p:sp>
             <p:nvSpPr>
               <p:cNvPr id="200" name="TextBox 199">
@@ -5474,7 +5863,7 @@
             </p:nvSpPr>
             <p:spPr>
               <a:xfrm>
-                <a:off x="5567076" y="3809771"/>
+                <a:off x="5602600" y="3831599"/>
                 <a:ext cx="222560" cy="215444"/>
               </a:xfrm>
               <a:prstGeom prst="rect">
@@ -5513,7 +5902,7 @@
                         </m:e>
                         <m:sub>
                           <m:r>
-                            <a:rPr lang="en-US" sz="1400" b="0" i="1" smtClean="0">
+                            <a:rPr lang="es-CO" sz="1400" b="0" i="1" smtClean="0">
                               <a:latin typeface="Cambria Math" panose="02040503050406030204" pitchFamily="18" charset="0"/>
                             </a:rPr>
                             <m:t>𝑡</m:t>
@@ -5528,7 +5917,7 @@
             </p:txBody>
           </p:sp>
         </mc:Choice>
-        <mc:Fallback xmlns="">
+        <mc:Fallback>
           <p:sp>
             <p:nvSpPr>
               <p:cNvPr id="200" name="TextBox 199">
@@ -5545,7 +5934,7 @@
             </p:nvSpPr>
             <p:spPr>
               <a:xfrm>
-                <a:off x="5567076" y="3809771"/>
+                <a:off x="5602600" y="3831599"/>
                 <a:ext cx="222560" cy="215444"/>
               </a:xfrm>
               <a:prstGeom prst="rect">
@@ -5554,7 +5943,7 @@
               <a:blipFill>
                 <a:blip r:embed="rId6"/>
                 <a:stretch>
-                  <a:fillRect l="-15789" b="-17647"/>
+                  <a:fillRect l="-18919" b="-14286"/>
                 </a:stretch>
               </a:blipFill>
             </p:spPr>
@@ -5573,8 +5962,8 @@
           </p:sp>
         </mc:Fallback>
       </mc:AlternateContent>
-      <mc:AlternateContent xmlns:mc="http://schemas.openxmlformats.org/markup-compatibility/2006" xmlns:a14="http://schemas.microsoft.com/office/drawing/2010/main">
-        <mc:Choice Requires="a14">
+      <mc:AlternateContent xmlns:mc="http://schemas.openxmlformats.org/markup-compatibility/2006">
+        <mc:Choice xmlns:a14="http://schemas.microsoft.com/office/drawing/2010/main" Requires="a14">
           <p:sp>
             <p:nvSpPr>
               <p:cNvPr id="201" name="TextBox 200">
@@ -5589,7 +5978,7 @@
             </p:nvSpPr>
             <p:spPr>
               <a:xfrm>
-                <a:off x="4395836" y="3810724"/>
+                <a:off x="4329072" y="3831358"/>
                 <a:ext cx="781496" cy="215444"/>
               </a:xfrm>
               <a:prstGeom prst="rect">
@@ -5628,7 +6017,7 @@
                         </m:e>
                         <m:sub>
                           <m:r>
-                            <a:rPr lang="en-US" sz="1400" b="0" i="1" smtClean="0">
+                            <a:rPr lang="es-CO" sz="1400" b="0" i="1" smtClean="0">
                               <a:latin typeface="Cambria Math" panose="02040503050406030204" pitchFamily="18" charset="0"/>
                             </a:rPr>
                             <m:t>𝑡</m:t>
@@ -5665,7 +6054,7 @@
                         </m:e>
                         <m:sub>
                           <m:r>
-                            <a:rPr lang="en-US" sz="1400" b="0" i="1" smtClean="0">
+                            <a:rPr lang="es-CO" sz="1400" b="0" i="1" smtClean="0">
                               <a:latin typeface="Cambria Math" panose="02040503050406030204" pitchFamily="18" charset="0"/>
                             </a:rPr>
                             <m:t>𝑡</m:t>
@@ -5686,7 +6075,7 @@
             </p:txBody>
           </p:sp>
         </mc:Choice>
-        <mc:Fallback xmlns="">
+        <mc:Fallback>
           <p:sp>
             <p:nvSpPr>
               <p:cNvPr id="201" name="TextBox 200">
@@ -5703,7 +6092,7 @@
             </p:nvSpPr>
             <p:spPr>
               <a:xfrm>
-                <a:off x="4395836" y="3810724"/>
+                <a:off x="4329072" y="3831358"/>
                 <a:ext cx="781496" cy="215444"/>
               </a:xfrm>
               <a:prstGeom prst="rect">
@@ -5712,7 +6101,7 @@
               <a:blipFill>
                 <a:blip r:embed="rId7"/>
                 <a:stretch>
-                  <a:fillRect l="-4839" r="-1613" b="-17647"/>
+                  <a:fillRect l="-4688" r="-1563" b="-14286"/>
                 </a:stretch>
               </a:blipFill>
             </p:spPr>
@@ -5747,15 +6136,15 @@
         </p:nvCxnSpPr>
         <p:spPr>
           <a:xfrm flipH="1">
-            <a:off x="3344534" y="3146012"/>
-            <a:ext cx="1530072" cy="0"/>
+            <a:off x="3334278" y="3146012"/>
+            <a:ext cx="1540328" cy="0"/>
           </a:xfrm>
           <a:prstGeom prst="line">
             <a:avLst/>
           </a:prstGeom>
           <a:ln w="19050">
             <a:solidFill>
-              <a:schemeClr val="tx1"/>
+              <a:srgbClr val="002060"/>
             </a:solidFill>
           </a:ln>
         </p:spPr>
@@ -5798,7 +6187,7 @@
           </a:prstGeom>
           <a:ln w="28575">
             <a:solidFill>
-              <a:schemeClr val="tx1"/>
+              <a:srgbClr val="002060"/>
             </a:solidFill>
             <a:headEnd type="none" w="med" len="med"/>
             <a:tailEnd type="triangle" w="med" len="med"/>
@@ -5843,7 +6232,7 @@
           </a:prstGeom>
           <a:ln w="19050">
             <a:solidFill>
-              <a:schemeClr val="tx1"/>
+              <a:srgbClr val="002060"/>
             </a:solidFill>
           </a:ln>
         </p:spPr>
@@ -5878,15 +6267,15 @@
         </p:nvCxnSpPr>
         <p:spPr>
           <a:xfrm flipH="1">
-            <a:off x="3344534" y="1903751"/>
-            <a:ext cx="412202" cy="0"/>
+            <a:off x="3334278" y="1903751"/>
+            <a:ext cx="422458" cy="0"/>
           </a:xfrm>
           <a:prstGeom prst="line">
             <a:avLst/>
           </a:prstGeom>
           <a:ln w="19050">
             <a:solidFill>
-              <a:schemeClr val="tx1"/>
+              <a:srgbClr val="002060"/>
             </a:solidFill>
             <a:headEnd type="triangle" w="med" len="med"/>
             <a:tailEnd type="none" w="med" len="med"/>
@@ -5923,7 +6312,7 @@
         </p:nvCxnSpPr>
         <p:spPr>
           <a:xfrm>
-            <a:off x="4318632" y="2969655"/>
+            <a:off x="3679991" y="2952287"/>
             <a:ext cx="0" cy="587557"/>
           </a:xfrm>
           <a:prstGeom prst="line">
@@ -5951,8 +6340,8 @@
           </a:fontRef>
         </p:style>
       </p:cxnSp>
-      <mc:AlternateContent xmlns:mc="http://schemas.openxmlformats.org/markup-compatibility/2006" xmlns:a14="http://schemas.microsoft.com/office/drawing/2010/main">
-        <mc:Choice Requires="a14">
+      <mc:AlternateContent xmlns:mc="http://schemas.openxmlformats.org/markup-compatibility/2006">
+        <mc:Choice xmlns:a14="http://schemas.microsoft.com/office/drawing/2010/main" Requires="a14">
           <p:sp>
             <p:nvSpPr>
               <p:cNvPr id="223" name="TextBox 222">
@@ -6006,7 +6395,7 @@
                         </m:e>
                         <m:sub>
                           <m:r>
-                            <a:rPr lang="en-US" b="0" i="1" smtClean="0">
+                            <a:rPr lang="es-CO" b="0" i="1" smtClean="0">
                               <a:latin typeface="Cambria Math" panose="02040503050406030204" pitchFamily="18" charset="0"/>
                             </a:rPr>
                             <m:t>𝑡</m:t>
@@ -6021,7 +6410,7 @@
             </p:txBody>
           </p:sp>
         </mc:Choice>
-        <mc:Fallback xmlns="">
+        <mc:Fallback>
           <p:sp>
             <p:nvSpPr>
               <p:cNvPr id="223" name="TextBox 222">
@@ -6047,7 +6436,7 @@
               <a:blipFill>
                 <a:blip r:embed="rId8"/>
                 <a:stretch>
-                  <a:fillRect l="-12500" r="-4167" b="-13043"/>
+                  <a:fillRect l="-17021" r="-4255" b="-13043"/>
                 </a:stretch>
               </a:blipFill>
             </p:spPr>
@@ -6066,8 +6455,8 @@
           </p:sp>
         </mc:Fallback>
       </mc:AlternateContent>
-      <mc:AlternateContent xmlns:mc="http://schemas.openxmlformats.org/markup-compatibility/2006" xmlns:a14="http://schemas.microsoft.com/office/drawing/2010/main">
-        <mc:Choice Requires="a14">
+      <mc:AlternateContent xmlns:mc="http://schemas.openxmlformats.org/markup-compatibility/2006">
+        <mc:Choice xmlns:a14="http://schemas.microsoft.com/office/drawing/2010/main" Requires="a14">
           <p:sp>
             <p:nvSpPr>
               <p:cNvPr id="224" name="TextBox 223">
@@ -6082,7 +6471,7 @@
             </p:nvSpPr>
             <p:spPr>
               <a:xfrm>
-                <a:off x="4361755" y="3361329"/>
+                <a:off x="3735607" y="3379770"/>
                 <a:ext cx="471989" cy="276999"/>
               </a:xfrm>
               <a:prstGeom prst="rect">
@@ -6121,7 +6510,7 @@
                         </m:e>
                         <m:sub>
                           <m:r>
-                            <a:rPr lang="en-US" b="0" i="1" smtClean="0">
+                            <a:rPr lang="es-CO" b="0" i="1" smtClean="0">
                               <a:latin typeface="Cambria Math" panose="02040503050406030204" pitchFamily="18" charset="0"/>
                             </a:rPr>
                             <m:t>𝑡</m:t>
@@ -6142,7 +6531,7 @@
             </p:txBody>
           </p:sp>
         </mc:Choice>
-        <mc:Fallback xmlns="">
+        <mc:Fallback>
           <p:sp>
             <p:nvSpPr>
               <p:cNvPr id="224" name="TextBox 223">
@@ -6159,7 +6548,7 @@
             </p:nvSpPr>
             <p:spPr>
               <a:xfrm>
-                <a:off x="4361755" y="3361329"/>
+                <a:off x="3735607" y="3379770"/>
                 <a:ext cx="471989" cy="276999"/>
               </a:xfrm>
               <a:prstGeom prst="rect">
@@ -6168,7 +6557,7 @@
               <a:blipFill>
                 <a:blip r:embed="rId9"/>
                 <a:stretch>
-                  <a:fillRect l="-10526" r="-2632" b="-13043"/>
+                  <a:fillRect l="-11688" r="-3896" b="-15217"/>
                 </a:stretch>
               </a:blipFill>
             </p:spPr>
@@ -6187,8 +6576,8 @@
           </p:sp>
         </mc:Fallback>
       </mc:AlternateContent>
-      <mc:AlternateContent xmlns:mc="http://schemas.openxmlformats.org/markup-compatibility/2006" xmlns:a14="http://schemas.microsoft.com/office/drawing/2010/main">
-        <mc:Choice Requires="a14">
+      <mc:AlternateContent xmlns:mc="http://schemas.openxmlformats.org/markup-compatibility/2006">
+        <mc:Choice xmlns:a14="http://schemas.microsoft.com/office/drawing/2010/main" Requires="a14">
           <p:sp>
             <p:nvSpPr>
               <p:cNvPr id="225" name="TextBox 224">
@@ -6203,7 +6592,7 @@
             </p:nvSpPr>
             <p:spPr>
               <a:xfrm>
-                <a:off x="4342166" y="2849321"/>
+                <a:off x="3735607" y="2842268"/>
                 <a:ext cx="503792" cy="276999"/>
               </a:xfrm>
               <a:prstGeom prst="rect">
@@ -6242,7 +6631,7 @@
                         </m:e>
                         <m:sub>
                           <m:r>
-                            <a:rPr lang="en-US" b="0" i="1" smtClean="0">
+                            <a:rPr lang="es-CO" b="0" i="1" smtClean="0">
                               <a:latin typeface="Cambria Math" panose="02040503050406030204" pitchFamily="18" charset="0"/>
                             </a:rPr>
                             <m:t>𝑡</m:t>
@@ -6263,7 +6652,7 @@
             </p:txBody>
           </p:sp>
         </mc:Choice>
-        <mc:Fallback xmlns="">
+        <mc:Fallback>
           <p:sp>
             <p:nvSpPr>
               <p:cNvPr id="225" name="TextBox 224">
@@ -6280,7 +6669,7 @@
             </p:nvSpPr>
             <p:spPr>
               <a:xfrm>
-                <a:off x="4342166" y="2849321"/>
+                <a:off x="3735607" y="2842268"/>
                 <a:ext cx="503792" cy="276999"/>
               </a:xfrm>
               <a:prstGeom prst="rect">
@@ -6289,7 +6678,7 @@
               <a:blipFill>
                 <a:blip r:embed="rId10"/>
                 <a:stretch>
-                  <a:fillRect l="-9756" r="-2439" b="-13043"/>
+                  <a:fillRect l="-10976" r="-4878" b="-15217"/>
                 </a:stretch>
               </a:blipFill>
             </p:spPr>
@@ -6308,6 +6697,191 @@
           </p:sp>
         </mc:Fallback>
       </mc:AlternateContent>
+      <p:sp>
+        <p:nvSpPr>
+          <p:cNvPr id="8" name="TextBox 7">
+            <a:extLst>
+              <a:ext uri="{FF2B5EF4-FFF2-40B4-BE49-F238E27FC236}">
+                <a16:creationId xmlns:a16="http://schemas.microsoft.com/office/drawing/2014/main" id="{870C4DC1-A1F1-CB46-9B20-AA6F96A59F33}"/>
+              </a:ext>
+            </a:extLst>
+          </p:cNvPr>
+          <p:cNvSpPr txBox="1"/>
+          <p:nvPr/>
+        </p:nvSpPr>
+        <p:spPr>
+          <a:xfrm>
+            <a:off x="6635949" y="4308910"/>
+            <a:ext cx="1064403" cy="276999"/>
+          </a:xfrm>
+          <a:prstGeom prst="rect">
+            <a:avLst/>
+          </a:prstGeom>
+          <a:noFill/>
+        </p:spPr>
+        <p:txBody>
+          <a:bodyPr wrap="square" rtlCol="0">
+            <a:spAutoFit/>
+          </a:bodyPr>
+          <a:lstStyle/>
+          <a:p>
+            <a:pPr algn="ctr"/>
+            <a:r>
+              <a:rPr lang="es-CO" sz="1200" dirty="0" err="1"/>
+              <a:t>Deterministic</a:t>
+            </a:r>
+            <a:endParaRPr lang="en-US" sz="1200" dirty="0"/>
+          </a:p>
+        </p:txBody>
+      </p:sp>
+      <p:sp>
+        <p:nvSpPr>
+          <p:cNvPr id="9" name="TextBox 8">
+            <a:extLst>
+              <a:ext uri="{FF2B5EF4-FFF2-40B4-BE49-F238E27FC236}">
+                <a16:creationId xmlns:a16="http://schemas.microsoft.com/office/drawing/2014/main" id="{18FCD047-9191-3CAB-2559-5E2DB7246A2D}"/>
+              </a:ext>
+            </a:extLst>
+          </p:cNvPr>
+          <p:cNvSpPr txBox="1"/>
+          <p:nvPr/>
+        </p:nvSpPr>
+        <p:spPr>
+          <a:xfrm>
+            <a:off x="7942723" y="4308910"/>
+            <a:ext cx="1064403" cy="276999"/>
+          </a:xfrm>
+          <a:prstGeom prst="rect">
+            <a:avLst/>
+          </a:prstGeom>
+          <a:noFill/>
+        </p:spPr>
+        <p:txBody>
+          <a:bodyPr wrap="square" rtlCol="0">
+            <a:spAutoFit/>
+          </a:bodyPr>
+          <a:lstStyle/>
+          <a:p>
+            <a:pPr algn="ctr"/>
+            <a:r>
+              <a:rPr lang="es-CO" sz="1200" dirty="0" err="1"/>
+              <a:t>Stochastic</a:t>
+            </a:r>
+            <a:endParaRPr lang="en-US" sz="1200" dirty="0"/>
+          </a:p>
+        </p:txBody>
+      </p:sp>
+      <p:cxnSp>
+        <p:nvCxnSpPr>
+          <p:cNvPr id="11" name="Straight Connector 10">
+            <a:extLst>
+              <a:ext uri="{FF2B5EF4-FFF2-40B4-BE49-F238E27FC236}">
+                <a16:creationId xmlns:a16="http://schemas.microsoft.com/office/drawing/2014/main" id="{611C2A3C-7583-40D5-0F1C-509E1664857B}"/>
+              </a:ext>
+            </a:extLst>
+          </p:cNvPr>
+          <p:cNvCxnSpPr>
+            <a:cxnSpLocks/>
+          </p:cNvCxnSpPr>
+          <p:nvPr/>
+        </p:nvCxnSpPr>
+        <p:spPr>
+          <a:xfrm>
+            <a:off x="7810500" y="4251960"/>
+            <a:ext cx="0" cy="1249680"/>
+          </a:xfrm>
+          <a:prstGeom prst="line">
+            <a:avLst/>
+          </a:prstGeom>
+          <a:ln>
+            <a:solidFill>
+              <a:srgbClr val="172C51"/>
+            </a:solidFill>
+            <a:prstDash val="dash"/>
+          </a:ln>
+        </p:spPr>
+        <p:style>
+          <a:lnRef idx="1">
+            <a:schemeClr val="accent1"/>
+          </a:lnRef>
+          <a:fillRef idx="0">
+            <a:schemeClr val="accent1"/>
+          </a:fillRef>
+          <a:effectRef idx="0">
+            <a:schemeClr val="accent1"/>
+          </a:effectRef>
+          <a:fontRef idx="minor">
+            <a:schemeClr val="tx1"/>
+          </a:fontRef>
+        </p:style>
+      </p:cxnSp>
+      <p:sp>
+        <p:nvSpPr>
+          <p:cNvPr id="3" name="Oval 2">
+            <a:extLst>
+              <a:ext uri="{FF2B5EF4-FFF2-40B4-BE49-F238E27FC236}">
+                <a16:creationId xmlns:a16="http://schemas.microsoft.com/office/drawing/2014/main" id="{B40C5B8E-CD7C-D0AB-E5E2-840013F3410D}"/>
+              </a:ext>
+            </a:extLst>
+          </p:cNvPr>
+          <p:cNvSpPr/>
+          <p:nvPr/>
+        </p:nvSpPr>
+        <p:spPr>
+          <a:xfrm>
+            <a:off x="4798765" y="4649884"/>
+            <a:ext cx="1230537" cy="576121"/>
+          </a:xfrm>
+          <a:prstGeom prst="ellipse">
+            <a:avLst/>
+          </a:prstGeom>
+          <a:noFill/>
+          <a:ln w="12700">
+            <a:solidFill>
+              <a:srgbClr val="002060"/>
+            </a:solidFill>
+          </a:ln>
+        </p:spPr>
+        <p:style>
+          <a:lnRef idx="2">
+            <a:schemeClr val="accent1">
+              <a:shade val="15000"/>
+            </a:schemeClr>
+          </a:lnRef>
+          <a:fillRef idx="1">
+            <a:schemeClr val="accent1"/>
+          </a:fillRef>
+          <a:effectRef idx="0">
+            <a:schemeClr val="accent1"/>
+          </a:effectRef>
+          <a:fontRef idx="minor">
+            <a:schemeClr val="lt1"/>
+          </a:fontRef>
+        </p:style>
+        <p:txBody>
+          <a:bodyPr rtlCol="0" anchor="ctr"/>
+          <a:lstStyle/>
+          <a:p>
+            <a:pPr algn="ctr"/>
+            <a:r>
+              <a:rPr lang="es-CO" sz="1200" dirty="0">
+                <a:solidFill>
+                  <a:schemeClr val="tx1"/>
+                </a:solidFill>
+              </a:rPr>
+              <a:t>R</a:t>
+            </a:r>
+            <a:r>
+              <a:rPr lang="en-US" sz="1200" dirty="0">
+                <a:solidFill>
+                  <a:schemeClr val="tx1"/>
+                </a:solidFill>
+              </a:rPr>
+              <a:t>outing</a:t>
+            </a:r>
+          </a:p>
+        </p:txBody>
+      </p:sp>
     </p:spTree>
     <p:extLst>
       <p:ext uri="{BB962C8B-B14F-4D97-AF65-F5344CB8AC3E}">

--- a/Extra files/Environment structure.pptx
+++ b/Extra files/Environment structure.pptx
@@ -5,11 +5,12 @@
     <p:sldMasterId id="2147483648" r:id="rId1"/>
   </p:sldMasterIdLst>
   <p:notesMasterIdLst>
-    <p:notesMasterId r:id="rId4"/>
+    <p:notesMasterId r:id="rId5"/>
   </p:notesMasterIdLst>
   <p:sldIdLst>
     <p:sldId id="257" r:id="rId2"/>
-    <p:sldId id="256" r:id="rId3"/>
+    <p:sldId id="258" r:id="rId3"/>
+    <p:sldId id="256" r:id="rId4"/>
   </p:sldIdLst>
   <p:sldSz cx="12192000" cy="6858000"/>
   <p:notesSz cx="6858000" cy="9144000"/>
@@ -198,7 +199,7 @@
           <a:p>
             <a:fld id="{044555AD-4AA1-FA42-8FD3-EB1FC2DBADED}" type="datetimeFigureOut">
               <a:rPr lang="en-US" smtClean="0"/>
-              <a:t>12/28/23</a:t>
+              <a:t>1/10/24</a:t>
             </a:fld>
             <a:endParaRPr lang="en-US"/>
           </a:p>
@@ -549,6 +550,90 @@
 </p:notes>
 </file>
 
+<file path=ppt/notesSlides/notesSlide2.xml><?xml version="1.0" encoding="utf-8"?>
+<p:notes xmlns:a="http://schemas.openxmlformats.org/drawingml/2006/main" xmlns:r="http://schemas.openxmlformats.org/officeDocument/2006/relationships" xmlns:p="http://schemas.openxmlformats.org/presentationml/2006/main">
+  <p:cSld>
+    <p:spTree>
+      <p:nvGrpSpPr>
+        <p:cNvPr id="1" name=""/>
+        <p:cNvGrpSpPr/>
+        <p:nvPr/>
+      </p:nvGrpSpPr>
+      <p:grpSpPr>
+        <a:xfrm>
+          <a:off x="0" y="0"/>
+          <a:ext cx="0" cy="0"/>
+          <a:chOff x="0" y="0"/>
+          <a:chExt cx="0" cy="0"/>
+        </a:xfrm>
+      </p:grpSpPr>
+      <p:sp>
+        <p:nvSpPr>
+          <p:cNvPr id="2" name="Slide Image Placeholder 1"/>
+          <p:cNvSpPr>
+            <a:spLocks noGrp="1" noRot="1" noChangeAspect="1"/>
+          </p:cNvSpPr>
+          <p:nvPr>
+            <p:ph type="sldImg"/>
+          </p:nvPr>
+        </p:nvSpPr>
+        <p:spPr/>
+      </p:sp>
+      <p:sp>
+        <p:nvSpPr>
+          <p:cNvPr id="3" name="Notes Placeholder 2"/>
+          <p:cNvSpPr>
+            <a:spLocks noGrp="1"/>
+          </p:cNvSpPr>
+          <p:nvPr>
+            <p:ph type="body" idx="1"/>
+          </p:nvPr>
+        </p:nvSpPr>
+        <p:spPr/>
+        <p:txBody>
+          <a:bodyPr/>
+          <a:lstStyle/>
+          <a:p>
+            <a:endParaRPr lang="en-US" dirty="0"/>
+          </a:p>
+        </p:txBody>
+      </p:sp>
+      <p:sp>
+        <p:nvSpPr>
+          <p:cNvPr id="4" name="Slide Number Placeholder 3"/>
+          <p:cNvSpPr>
+            <a:spLocks noGrp="1"/>
+          </p:cNvSpPr>
+          <p:nvPr>
+            <p:ph type="sldNum" sz="quarter" idx="5"/>
+          </p:nvPr>
+        </p:nvSpPr>
+        <p:spPr/>
+        <p:txBody>
+          <a:bodyPr/>
+          <a:lstStyle/>
+          <a:p>
+            <a:fld id="{ECBC060B-2A04-0C4D-A678-2D8906F1B1D8}" type="slidenum">
+              <a:rPr lang="en-US" smtClean="0"/>
+              <a:t>2</a:t>
+            </a:fld>
+            <a:endParaRPr lang="en-US"/>
+          </a:p>
+        </p:txBody>
+      </p:sp>
+    </p:spTree>
+    <p:extLst>
+      <p:ext uri="{BB962C8B-B14F-4D97-AF65-F5344CB8AC3E}">
+        <p14:creationId xmlns:p14="http://schemas.microsoft.com/office/powerpoint/2010/main" val="479120022"/>
+      </p:ext>
+    </p:extLst>
+  </p:cSld>
+  <p:clrMapOvr>
+    <a:masterClrMapping/>
+  </p:clrMapOvr>
+</p:notes>
+</file>
+
 <file path=ppt/slideLayouts/slideLayout1.xml><?xml version="1.0" encoding="utf-8"?>
 <p:sldLayout xmlns:a="http://schemas.openxmlformats.org/drawingml/2006/main" xmlns:r="http://schemas.openxmlformats.org/officeDocument/2006/relationships" xmlns:p="http://schemas.openxmlformats.org/presentationml/2006/main" type="title" preserve="1">
   <p:cSld name="Title Slide">
@@ -696,7 +781,7 @@
           <a:p>
             <a:fld id="{F0438D75-6BB9-074B-BA56-18BB868D5A9A}" type="datetimeFigureOut">
               <a:rPr lang="en-US" smtClean="0"/>
-              <a:t>12/28/23</a:t>
+              <a:t>1/10/24</a:t>
             </a:fld>
             <a:endParaRPr lang="en-US"/>
           </a:p>
@@ -894,7 +979,7 @@
           <a:p>
             <a:fld id="{F0438D75-6BB9-074B-BA56-18BB868D5A9A}" type="datetimeFigureOut">
               <a:rPr lang="en-US" smtClean="0"/>
-              <a:t>12/28/23</a:t>
+              <a:t>1/10/24</a:t>
             </a:fld>
             <a:endParaRPr lang="en-US"/>
           </a:p>
@@ -1102,7 +1187,7 @@
           <a:p>
             <a:fld id="{F0438D75-6BB9-074B-BA56-18BB868D5A9A}" type="datetimeFigureOut">
               <a:rPr lang="en-US" smtClean="0"/>
-              <a:t>12/28/23</a:t>
+              <a:t>1/10/24</a:t>
             </a:fld>
             <a:endParaRPr lang="en-US"/>
           </a:p>
@@ -1300,7 +1385,7 @@
           <a:p>
             <a:fld id="{F0438D75-6BB9-074B-BA56-18BB868D5A9A}" type="datetimeFigureOut">
               <a:rPr lang="en-US" smtClean="0"/>
-              <a:t>12/28/23</a:t>
+              <a:t>1/10/24</a:t>
             </a:fld>
             <a:endParaRPr lang="en-US"/>
           </a:p>
@@ -1575,7 +1660,7 @@
           <a:p>
             <a:fld id="{F0438D75-6BB9-074B-BA56-18BB868D5A9A}" type="datetimeFigureOut">
               <a:rPr lang="en-US" smtClean="0"/>
-              <a:t>12/28/23</a:t>
+              <a:t>1/10/24</a:t>
             </a:fld>
             <a:endParaRPr lang="en-US"/>
           </a:p>
@@ -1840,7 +1925,7 @@
           <a:p>
             <a:fld id="{F0438D75-6BB9-074B-BA56-18BB868D5A9A}" type="datetimeFigureOut">
               <a:rPr lang="en-US" smtClean="0"/>
-              <a:t>12/28/23</a:t>
+              <a:t>1/10/24</a:t>
             </a:fld>
             <a:endParaRPr lang="en-US"/>
           </a:p>
@@ -2252,7 +2337,7 @@
           <a:p>
             <a:fld id="{F0438D75-6BB9-074B-BA56-18BB868D5A9A}" type="datetimeFigureOut">
               <a:rPr lang="en-US" smtClean="0"/>
-              <a:t>12/28/23</a:t>
+              <a:t>1/10/24</a:t>
             </a:fld>
             <a:endParaRPr lang="en-US"/>
           </a:p>
@@ -2393,7 +2478,7 @@
           <a:p>
             <a:fld id="{F0438D75-6BB9-074B-BA56-18BB868D5A9A}" type="datetimeFigureOut">
               <a:rPr lang="en-US" smtClean="0"/>
-              <a:t>12/28/23</a:t>
+              <a:t>1/10/24</a:t>
             </a:fld>
             <a:endParaRPr lang="en-US"/>
           </a:p>
@@ -2506,7 +2591,7 @@
           <a:p>
             <a:fld id="{F0438D75-6BB9-074B-BA56-18BB868D5A9A}" type="datetimeFigureOut">
               <a:rPr lang="en-US" smtClean="0"/>
-              <a:t>12/28/23</a:t>
+              <a:t>1/10/24</a:t>
             </a:fld>
             <a:endParaRPr lang="en-US"/>
           </a:p>
@@ -2817,7 +2902,7 @@
           <a:p>
             <a:fld id="{F0438D75-6BB9-074B-BA56-18BB868D5A9A}" type="datetimeFigureOut">
               <a:rPr lang="en-US" smtClean="0"/>
-              <a:t>12/28/23</a:t>
+              <a:t>1/10/24</a:t>
             </a:fld>
             <a:endParaRPr lang="en-US"/>
           </a:p>
@@ -3105,7 +3190,7 @@
           <a:p>
             <a:fld id="{F0438D75-6BB9-074B-BA56-18BB868D5A9A}" type="datetimeFigureOut">
               <a:rPr lang="en-US" smtClean="0"/>
-              <a:t>12/28/23</a:t>
+              <a:t>1/10/24</a:t>
             </a:fld>
             <a:endParaRPr lang="en-US"/>
           </a:p>
@@ -3346,7 +3431,7 @@
           <a:p>
             <a:fld id="{F0438D75-6BB9-074B-BA56-18BB868D5A9A}" type="datetimeFigureOut">
               <a:rPr lang="en-US" smtClean="0"/>
-              <a:t>12/28/23</a:t>
+              <a:t>1/10/24</a:t>
             </a:fld>
             <a:endParaRPr lang="en-US"/>
           </a:p>
@@ -5113,8 +5198,8 @@
           </a:fontRef>
         </p:style>
       </p:cxnSp>
-      <mc:AlternateContent xmlns:mc="http://schemas.openxmlformats.org/markup-compatibility/2006">
-        <mc:Choice xmlns:a14="http://schemas.microsoft.com/office/drawing/2010/main" Requires="a14">
+      <mc:AlternateContent xmlns:mc="http://schemas.openxmlformats.org/markup-compatibility/2006" xmlns:a14="http://schemas.microsoft.com/office/drawing/2010/main">
+        <mc:Choice Requires="a14">
           <p:sp>
             <p:nvSpPr>
               <p:cNvPr id="197" name="TextBox 196">
@@ -5183,7 +5268,7 @@
             </p:txBody>
           </p:sp>
         </mc:Choice>
-        <mc:Fallback>
+        <mc:Fallback xmlns="">
           <p:sp>
             <p:nvSpPr>
               <p:cNvPr id="197" name="TextBox 196">
@@ -5458,8 +5543,8 @@
           </p:sp>
         </mc:Fallback>
       </mc:AlternateContent>
-      <mc:AlternateContent xmlns:mc="http://schemas.openxmlformats.org/markup-compatibility/2006">
-        <mc:Choice xmlns:a14="http://schemas.microsoft.com/office/drawing/2010/main" Requires="a14">
+      <mc:AlternateContent xmlns:mc="http://schemas.openxmlformats.org/markup-compatibility/2006" xmlns:a14="http://schemas.microsoft.com/office/drawing/2010/main">
+        <mc:Choice Requires="a14">
           <p:sp>
             <p:nvSpPr>
               <p:cNvPr id="200" name="TextBox 199">
@@ -5528,7 +5613,7 @@
             </p:txBody>
           </p:sp>
         </mc:Choice>
-        <mc:Fallback>
+        <mc:Fallback xmlns="">
           <p:sp>
             <p:nvSpPr>
               <p:cNvPr id="200" name="TextBox 199">
@@ -6322,6 +6407,1358 @@
 </file>
 
 <file path=ppt/slides/slide2.xml><?xml version="1.0" encoding="utf-8"?>
+<p:sld xmlns:a="http://schemas.openxmlformats.org/drawingml/2006/main" xmlns:r="http://schemas.openxmlformats.org/officeDocument/2006/relationships" xmlns:p="http://schemas.openxmlformats.org/presentationml/2006/main">
+  <p:cSld>
+    <p:spTree>
+      <p:nvGrpSpPr>
+        <p:cNvPr id="1" name=""/>
+        <p:cNvGrpSpPr/>
+        <p:nvPr/>
+      </p:nvGrpSpPr>
+      <p:grpSpPr>
+        <a:xfrm>
+          <a:off x="0" y="0"/>
+          <a:ext cx="0" cy="0"/>
+          <a:chOff x="0" y="0"/>
+          <a:chExt cx="0" cy="0"/>
+        </a:xfrm>
+      </p:grpSpPr>
+      <p:sp>
+        <p:nvSpPr>
+          <p:cNvPr id="52" name="Rectangle 51">
+            <a:extLst>
+              <a:ext uri="{FF2B5EF4-FFF2-40B4-BE49-F238E27FC236}">
+                <a16:creationId xmlns:a16="http://schemas.microsoft.com/office/drawing/2014/main" id="{D7D77805-B170-E443-9896-35058F8A48CF}"/>
+              </a:ext>
+            </a:extLst>
+          </p:cNvPr>
+          <p:cNvSpPr/>
+          <p:nvPr/>
+        </p:nvSpPr>
+        <p:spPr>
+          <a:xfrm>
+            <a:off x="341937" y="269325"/>
+            <a:ext cx="11461180" cy="6352192"/>
+          </a:xfrm>
+          <a:prstGeom prst="rect">
+            <a:avLst/>
+          </a:prstGeom>
+          <a:noFill/>
+        </p:spPr>
+        <p:style>
+          <a:lnRef idx="2">
+            <a:schemeClr val="accent1">
+              <a:shade val="50000"/>
+            </a:schemeClr>
+          </a:lnRef>
+          <a:fillRef idx="1">
+            <a:schemeClr val="accent1"/>
+          </a:fillRef>
+          <a:effectRef idx="0">
+            <a:schemeClr val="accent1"/>
+          </a:effectRef>
+          <a:fontRef idx="minor">
+            <a:schemeClr val="lt1"/>
+          </a:fontRef>
+        </p:style>
+        <p:txBody>
+          <a:bodyPr rtlCol="0" anchor="ctr"/>
+          <a:lstStyle/>
+          <a:p>
+            <a:pPr algn="ctr"/>
+            <a:endParaRPr lang="en-US" dirty="0">
+              <a:solidFill>
+                <a:schemeClr val="tx1"/>
+              </a:solidFill>
+            </a:endParaRPr>
+          </a:p>
+        </p:txBody>
+      </p:sp>
+      <p:sp>
+        <p:nvSpPr>
+          <p:cNvPr id="53" name="Rectangle 52">
+            <a:extLst>
+              <a:ext uri="{FF2B5EF4-FFF2-40B4-BE49-F238E27FC236}">
+                <a16:creationId xmlns:a16="http://schemas.microsoft.com/office/drawing/2014/main" id="{0B6B1A03-9399-B568-DB79-138AA42602A5}"/>
+              </a:ext>
+            </a:extLst>
+          </p:cNvPr>
+          <p:cNvSpPr/>
+          <p:nvPr/>
+        </p:nvSpPr>
+        <p:spPr>
+          <a:xfrm>
+            <a:off x="4683015" y="116924"/>
+            <a:ext cx="2405556" cy="655584"/>
+          </a:xfrm>
+          <a:prstGeom prst="rect">
+            <a:avLst/>
+          </a:prstGeom>
+          <a:noFill/>
+          <a:ln>
+            <a:noFill/>
+          </a:ln>
+        </p:spPr>
+        <p:style>
+          <a:lnRef idx="2">
+            <a:schemeClr val="accent1">
+              <a:shade val="50000"/>
+            </a:schemeClr>
+          </a:lnRef>
+          <a:fillRef idx="1">
+            <a:schemeClr val="accent1"/>
+          </a:fillRef>
+          <a:effectRef idx="0">
+            <a:schemeClr val="accent1"/>
+          </a:effectRef>
+          <a:fontRef idx="minor">
+            <a:schemeClr val="lt1"/>
+          </a:fontRef>
+        </p:style>
+        <p:txBody>
+          <a:bodyPr rtlCol="0" anchor="ctr"/>
+          <a:lstStyle/>
+          <a:p>
+            <a:pPr algn="ctr"/>
+            <a:r>
+              <a:rPr lang="en-US" b="1" dirty="0">
+                <a:solidFill>
+                  <a:schemeClr val="tx1"/>
+                </a:solidFill>
+              </a:rPr>
+              <a:t>Policy Evaluation</a:t>
+            </a:r>
+          </a:p>
+        </p:txBody>
+      </p:sp>
+      <p:sp>
+        <p:nvSpPr>
+          <p:cNvPr id="113" name="Rectangle 112">
+            <a:extLst>
+              <a:ext uri="{FF2B5EF4-FFF2-40B4-BE49-F238E27FC236}">
+                <a16:creationId xmlns:a16="http://schemas.microsoft.com/office/drawing/2014/main" id="{1883087D-0271-C825-D899-C5E86EE27363}"/>
+              </a:ext>
+            </a:extLst>
+          </p:cNvPr>
+          <p:cNvSpPr/>
+          <p:nvPr/>
+        </p:nvSpPr>
+        <p:spPr>
+          <a:xfrm>
+            <a:off x="10019801" y="667302"/>
+            <a:ext cx="1495756" cy="655584"/>
+          </a:xfrm>
+          <a:prstGeom prst="rect">
+            <a:avLst/>
+          </a:prstGeom>
+          <a:noFill/>
+          <a:ln>
+            <a:noFill/>
+          </a:ln>
+        </p:spPr>
+        <p:style>
+          <a:lnRef idx="2">
+            <a:schemeClr val="accent1">
+              <a:shade val="50000"/>
+            </a:schemeClr>
+          </a:lnRef>
+          <a:fillRef idx="1">
+            <a:schemeClr val="accent1"/>
+          </a:fillRef>
+          <a:effectRef idx="0">
+            <a:schemeClr val="accent1"/>
+          </a:effectRef>
+          <a:fontRef idx="minor">
+            <a:schemeClr val="lt1"/>
+          </a:fontRef>
+        </p:style>
+        <p:txBody>
+          <a:bodyPr rtlCol="0" anchor="ctr"/>
+          <a:lstStyle/>
+          <a:p>
+            <a:pPr algn="ctr"/>
+            <a:r>
+              <a:rPr lang="en-US" dirty="0">
+                <a:solidFill>
+                  <a:srgbClr val="FFC000"/>
+                </a:solidFill>
+              </a:rPr>
+              <a:t>Policies</a:t>
+            </a:r>
+          </a:p>
+        </p:txBody>
+      </p:sp>
+      <p:grpSp>
+        <p:nvGrpSpPr>
+          <p:cNvPr id="20" name="Group 19">
+            <a:extLst>
+              <a:ext uri="{FF2B5EF4-FFF2-40B4-BE49-F238E27FC236}">
+                <a16:creationId xmlns:a16="http://schemas.microsoft.com/office/drawing/2014/main" id="{A44DBE1F-AD5E-EDBE-7275-F04981B54EDB}"/>
+              </a:ext>
+            </a:extLst>
+          </p:cNvPr>
+          <p:cNvGrpSpPr/>
+          <p:nvPr/>
+        </p:nvGrpSpPr>
+        <p:grpSpPr>
+          <a:xfrm>
+            <a:off x="3342898" y="1966327"/>
+            <a:ext cx="4688012" cy="1672001"/>
+            <a:chOff x="3342898" y="1966327"/>
+            <a:chExt cx="4688012" cy="1672001"/>
+          </a:xfrm>
+        </p:grpSpPr>
+        <p:sp>
+          <p:nvSpPr>
+            <p:cNvPr id="2" name="Rounded Rectangle 1">
+              <a:extLst>
+                <a:ext uri="{FF2B5EF4-FFF2-40B4-BE49-F238E27FC236}">
+                  <a16:creationId xmlns:a16="http://schemas.microsoft.com/office/drawing/2014/main" id="{3E11D17A-0AA2-D330-2DB2-4A272ACE0608}"/>
+                </a:ext>
+              </a:extLst>
+            </p:cNvPr>
+            <p:cNvSpPr/>
+            <p:nvPr/>
+          </p:nvSpPr>
+          <p:spPr>
+            <a:xfrm>
+              <a:off x="4874606" y="2939709"/>
+              <a:ext cx="1751039" cy="647451"/>
+            </a:xfrm>
+            <a:prstGeom prst="roundRect">
+              <a:avLst/>
+            </a:prstGeom>
+            <a:noFill/>
+            <a:ln w="28575"/>
+          </p:spPr>
+          <p:style>
+            <a:lnRef idx="2">
+              <a:schemeClr val="accent1">
+                <a:shade val="15000"/>
+              </a:schemeClr>
+            </a:lnRef>
+            <a:fillRef idx="1">
+              <a:schemeClr val="accent1"/>
+            </a:fillRef>
+            <a:effectRef idx="0">
+              <a:schemeClr val="accent1"/>
+            </a:effectRef>
+            <a:fontRef idx="minor">
+              <a:schemeClr val="lt1"/>
+            </a:fontRef>
+          </p:style>
+          <p:txBody>
+            <a:bodyPr rtlCol="0" anchor="ctr"/>
+            <a:lstStyle/>
+            <a:p>
+              <a:pPr algn="ctr"/>
+              <a:r>
+                <a:rPr lang="en-US" b="1" dirty="0">
+                  <a:solidFill>
+                    <a:schemeClr val="tx1"/>
+                  </a:solidFill>
+                </a:rPr>
+                <a:t>Environment</a:t>
+              </a:r>
+            </a:p>
+          </p:txBody>
+        </p:sp>
+        <p:sp>
+          <p:nvSpPr>
+            <p:cNvPr id="49" name="Rounded Rectangle 48">
+              <a:extLst>
+                <a:ext uri="{FF2B5EF4-FFF2-40B4-BE49-F238E27FC236}">
+                  <a16:creationId xmlns:a16="http://schemas.microsoft.com/office/drawing/2014/main" id="{3B54D7D8-0DE5-2C65-0D24-591510A32DB1}"/>
+                </a:ext>
+              </a:extLst>
+            </p:cNvPr>
+            <p:cNvSpPr/>
+            <p:nvPr/>
+          </p:nvSpPr>
+          <p:spPr>
+            <a:xfrm>
+              <a:off x="4920957" y="1966327"/>
+              <a:ext cx="1530065" cy="503140"/>
+            </a:xfrm>
+            <a:prstGeom prst="roundRect">
+              <a:avLst/>
+            </a:prstGeom>
+            <a:noFill/>
+            <a:ln w="28575"/>
+          </p:spPr>
+          <p:style>
+            <a:lnRef idx="2">
+              <a:schemeClr val="accent1">
+                <a:shade val="15000"/>
+              </a:schemeClr>
+            </a:lnRef>
+            <a:fillRef idx="1">
+              <a:schemeClr val="accent1"/>
+            </a:fillRef>
+            <a:effectRef idx="0">
+              <a:schemeClr val="accent1"/>
+            </a:effectRef>
+            <a:fontRef idx="minor">
+              <a:schemeClr val="lt1"/>
+            </a:fontRef>
+          </p:style>
+          <p:txBody>
+            <a:bodyPr rtlCol="0" anchor="t" anchorCtr="0"/>
+            <a:lstStyle/>
+            <a:p>
+              <a:pPr algn="ctr"/>
+              <a:r>
+                <a:rPr lang="en-US" b="1" dirty="0">
+                  <a:solidFill>
+                    <a:schemeClr val="tx1"/>
+                  </a:solidFill>
+                </a:rPr>
+                <a:t>Agent</a:t>
+              </a:r>
+            </a:p>
+          </p:txBody>
+        </p:sp>
+        <p:cxnSp>
+          <p:nvCxnSpPr>
+            <p:cNvPr id="153" name="Straight Connector 152">
+              <a:extLst>
+                <a:ext uri="{FF2B5EF4-FFF2-40B4-BE49-F238E27FC236}">
+                  <a16:creationId xmlns:a16="http://schemas.microsoft.com/office/drawing/2014/main" id="{8C7E532F-DD61-26B9-CC10-F523162DFA12}"/>
+                </a:ext>
+              </a:extLst>
+            </p:cNvPr>
+            <p:cNvCxnSpPr>
+              <a:cxnSpLocks/>
+            </p:cNvCxnSpPr>
+            <p:nvPr/>
+          </p:nvCxnSpPr>
+          <p:spPr>
+            <a:xfrm flipH="1">
+              <a:off x="3671594" y="3370203"/>
+              <a:ext cx="1190968" cy="0"/>
+            </a:xfrm>
+            <a:prstGeom prst="line">
+              <a:avLst/>
+            </a:prstGeom>
+            <a:ln w="28575">
+              <a:solidFill>
+                <a:schemeClr val="tx1"/>
+              </a:solidFill>
+            </a:ln>
+          </p:spPr>
+          <p:style>
+            <a:lnRef idx="1">
+              <a:schemeClr val="accent1"/>
+            </a:lnRef>
+            <a:fillRef idx="0">
+              <a:schemeClr val="accent1"/>
+            </a:fillRef>
+            <a:effectRef idx="0">
+              <a:schemeClr val="accent1"/>
+            </a:effectRef>
+            <a:fontRef idx="minor">
+              <a:schemeClr val="tx1"/>
+            </a:fontRef>
+          </p:style>
+        </p:cxnSp>
+        <p:cxnSp>
+          <p:nvCxnSpPr>
+            <p:cNvPr id="154" name="Straight Connector 153">
+              <a:extLst>
+                <a:ext uri="{FF2B5EF4-FFF2-40B4-BE49-F238E27FC236}">
+                  <a16:creationId xmlns:a16="http://schemas.microsoft.com/office/drawing/2014/main" id="{9C6D9F1E-DEE8-6C72-7019-B4DF9ED07D7C}"/>
+                </a:ext>
+              </a:extLst>
+            </p:cNvPr>
+            <p:cNvCxnSpPr>
+              <a:cxnSpLocks/>
+            </p:cNvCxnSpPr>
+            <p:nvPr/>
+          </p:nvCxnSpPr>
+          <p:spPr>
+            <a:xfrm>
+              <a:off x="3671056" y="2113599"/>
+              <a:ext cx="0" cy="1267546"/>
+            </a:xfrm>
+            <a:prstGeom prst="line">
+              <a:avLst/>
+            </a:prstGeom>
+            <a:ln w="28575">
+              <a:solidFill>
+                <a:schemeClr val="tx1"/>
+              </a:solidFill>
+            </a:ln>
+          </p:spPr>
+          <p:style>
+            <a:lnRef idx="1">
+              <a:schemeClr val="accent1"/>
+            </a:lnRef>
+            <a:fillRef idx="0">
+              <a:schemeClr val="accent1"/>
+            </a:fillRef>
+            <a:effectRef idx="0">
+              <a:schemeClr val="accent1"/>
+            </a:effectRef>
+            <a:fontRef idx="minor">
+              <a:schemeClr val="tx1"/>
+            </a:fontRef>
+          </p:style>
+        </p:cxnSp>
+        <p:cxnSp>
+          <p:nvCxnSpPr>
+            <p:cNvPr id="157" name="Straight Connector 156">
+              <a:extLst>
+                <a:ext uri="{FF2B5EF4-FFF2-40B4-BE49-F238E27FC236}">
+                  <a16:creationId xmlns:a16="http://schemas.microsoft.com/office/drawing/2014/main" id="{63A608DF-49F7-81C3-46FA-1F7622C30E67}"/>
+                </a:ext>
+              </a:extLst>
+            </p:cNvPr>
+            <p:cNvCxnSpPr>
+              <a:cxnSpLocks/>
+            </p:cNvCxnSpPr>
+            <p:nvPr/>
+          </p:nvCxnSpPr>
+          <p:spPr>
+            <a:xfrm flipH="1">
+              <a:off x="3663127" y="2113599"/>
+              <a:ext cx="1257830" cy="0"/>
+            </a:xfrm>
+            <a:prstGeom prst="line">
+              <a:avLst/>
+            </a:prstGeom>
+            <a:ln w="28575">
+              <a:solidFill>
+                <a:schemeClr val="tx1"/>
+              </a:solidFill>
+              <a:headEnd type="triangle" w="med" len="med"/>
+              <a:tailEnd type="none" w="med" len="med"/>
+            </a:ln>
+          </p:spPr>
+          <p:style>
+            <a:lnRef idx="1">
+              <a:schemeClr val="accent1"/>
+            </a:lnRef>
+            <a:fillRef idx="0">
+              <a:schemeClr val="accent1"/>
+            </a:fillRef>
+            <a:effectRef idx="0">
+              <a:schemeClr val="accent1"/>
+            </a:effectRef>
+            <a:fontRef idx="minor">
+              <a:schemeClr val="tx1"/>
+            </a:fontRef>
+          </p:style>
+        </p:cxnSp>
+        <p:cxnSp>
+          <p:nvCxnSpPr>
+            <p:cNvPr id="161" name="Straight Connector 160">
+              <a:extLst>
+                <a:ext uri="{FF2B5EF4-FFF2-40B4-BE49-F238E27FC236}">
+                  <a16:creationId xmlns:a16="http://schemas.microsoft.com/office/drawing/2014/main" id="{3A7EF99D-E1FE-6E2D-523E-0C4ED06012BE}"/>
+                </a:ext>
+              </a:extLst>
+            </p:cNvPr>
+            <p:cNvCxnSpPr>
+              <a:cxnSpLocks/>
+              <a:endCxn id="2" idx="3"/>
+            </p:cNvCxnSpPr>
+            <p:nvPr/>
+          </p:nvCxnSpPr>
+          <p:spPr>
+            <a:xfrm flipH="1">
+              <a:off x="6625645" y="3263435"/>
+              <a:ext cx="1007405" cy="0"/>
+            </a:xfrm>
+            <a:prstGeom prst="line">
+              <a:avLst/>
+            </a:prstGeom>
+            <a:ln w="28575">
+              <a:solidFill>
+                <a:schemeClr val="tx1"/>
+              </a:solidFill>
+              <a:headEnd type="none" w="med" len="med"/>
+              <a:tailEnd type="triangle" w="med" len="med"/>
+            </a:ln>
+          </p:spPr>
+          <p:style>
+            <a:lnRef idx="1">
+              <a:schemeClr val="accent1"/>
+            </a:lnRef>
+            <a:fillRef idx="0">
+              <a:schemeClr val="accent1"/>
+            </a:fillRef>
+            <a:effectRef idx="0">
+              <a:schemeClr val="accent1"/>
+            </a:effectRef>
+            <a:fontRef idx="minor">
+              <a:schemeClr val="tx1"/>
+            </a:fontRef>
+          </p:style>
+        </p:cxnSp>
+        <p:cxnSp>
+          <p:nvCxnSpPr>
+            <p:cNvPr id="164" name="Straight Connector 163">
+              <a:extLst>
+                <a:ext uri="{FF2B5EF4-FFF2-40B4-BE49-F238E27FC236}">
+                  <a16:creationId xmlns:a16="http://schemas.microsoft.com/office/drawing/2014/main" id="{27E78BE7-D1F0-FC8D-5FC2-28B676E73A9A}"/>
+                </a:ext>
+              </a:extLst>
+            </p:cNvPr>
+            <p:cNvCxnSpPr>
+              <a:cxnSpLocks/>
+              <a:endCxn id="49" idx="3"/>
+            </p:cNvCxnSpPr>
+            <p:nvPr/>
+          </p:nvCxnSpPr>
+          <p:spPr>
+            <a:xfrm flipH="1">
+              <a:off x="6451022" y="2217897"/>
+              <a:ext cx="1172330" cy="0"/>
+            </a:xfrm>
+            <a:prstGeom prst="line">
+              <a:avLst/>
+            </a:prstGeom>
+            <a:ln w="28575">
+              <a:solidFill>
+                <a:schemeClr val="tx1"/>
+              </a:solidFill>
+            </a:ln>
+          </p:spPr>
+          <p:style>
+            <a:lnRef idx="1">
+              <a:schemeClr val="accent1"/>
+            </a:lnRef>
+            <a:fillRef idx="0">
+              <a:schemeClr val="accent1"/>
+            </a:fillRef>
+            <a:effectRef idx="0">
+              <a:schemeClr val="accent1"/>
+            </a:effectRef>
+            <a:fontRef idx="minor">
+              <a:schemeClr val="tx1"/>
+            </a:fontRef>
+          </p:style>
+        </p:cxnSp>
+        <p:cxnSp>
+          <p:nvCxnSpPr>
+            <p:cNvPr id="167" name="Straight Connector 166">
+              <a:extLst>
+                <a:ext uri="{FF2B5EF4-FFF2-40B4-BE49-F238E27FC236}">
+                  <a16:creationId xmlns:a16="http://schemas.microsoft.com/office/drawing/2014/main" id="{91852D0B-4ABD-34A9-4B4D-0ED1BBF1FD03}"/>
+                </a:ext>
+              </a:extLst>
+            </p:cNvPr>
+            <p:cNvCxnSpPr>
+              <a:cxnSpLocks/>
+            </p:cNvCxnSpPr>
+            <p:nvPr/>
+          </p:nvCxnSpPr>
+          <p:spPr>
+            <a:xfrm>
+              <a:off x="7633050" y="2217897"/>
+              <a:ext cx="0" cy="1045538"/>
+            </a:xfrm>
+            <a:prstGeom prst="line">
+              <a:avLst/>
+            </a:prstGeom>
+            <a:ln w="28575">
+              <a:solidFill>
+                <a:schemeClr val="tx1"/>
+              </a:solidFill>
+            </a:ln>
+          </p:spPr>
+          <p:style>
+            <a:lnRef idx="1">
+              <a:schemeClr val="accent1"/>
+            </a:lnRef>
+            <a:fillRef idx="0">
+              <a:schemeClr val="accent1"/>
+            </a:fillRef>
+            <a:effectRef idx="0">
+              <a:schemeClr val="accent1"/>
+            </a:effectRef>
+            <a:fontRef idx="minor">
+              <a:schemeClr val="tx1"/>
+            </a:fontRef>
+          </p:style>
+        </p:cxnSp>
+        <mc:AlternateContent xmlns:mc="http://schemas.openxmlformats.org/markup-compatibility/2006">
+          <mc:Choice xmlns:a14="http://schemas.microsoft.com/office/drawing/2010/main" Requires="a14">
+            <p:sp>
+              <p:nvSpPr>
+                <p:cNvPr id="197" name="TextBox 196">
+                  <a:extLst>
+                    <a:ext uri="{FF2B5EF4-FFF2-40B4-BE49-F238E27FC236}">
+                      <a16:creationId xmlns:a16="http://schemas.microsoft.com/office/drawing/2014/main" id="{E90CAC25-9E28-6DCE-0F4C-D5249E34F75E}"/>
+                    </a:ext>
+                  </a:extLst>
+                </p:cNvPr>
+                <p:cNvSpPr txBox="1"/>
+                <p:nvPr/>
+              </p:nvSpPr>
+              <p:spPr>
+                <a:xfrm>
+                  <a:off x="7769043" y="2572322"/>
+                  <a:ext cx="261867" cy="276999"/>
+                </a:xfrm>
+                <a:prstGeom prst="rect">
+                  <a:avLst/>
+                </a:prstGeom>
+                <a:noFill/>
+              </p:spPr>
+              <p:txBody>
+                <a:bodyPr wrap="none" lIns="0" tIns="0" rIns="0" bIns="0" rtlCol="0">
+                  <a:spAutoFit/>
+                </a:bodyPr>
+                <a:lstStyle/>
+                <a:p>
+                  <a:pPr/>
+                  <a14:m>
+                    <m:oMathPara xmlns:m="http://schemas.openxmlformats.org/officeDocument/2006/math">
+                      <m:oMathParaPr>
+                        <m:jc m:val="centerGroup"/>
+                      </m:oMathParaPr>
+                      <m:oMath xmlns:m="http://schemas.openxmlformats.org/officeDocument/2006/math">
+                        <m:sSub>
+                          <m:sSubPr>
+                            <m:ctrlPr>
+                              <a:rPr lang="en-US" b="0" i="1" smtClean="0">
+                                <a:latin typeface="Cambria Math" panose="02040503050406030204" pitchFamily="18" charset="0"/>
+                              </a:rPr>
+                            </m:ctrlPr>
+                          </m:sSubPr>
+                          <m:e>
+                            <m:r>
+                              <a:rPr lang="en-US" b="0" i="1" smtClean="0">
+                                <a:latin typeface="Cambria Math" panose="02040503050406030204" pitchFamily="18" charset="0"/>
+                              </a:rPr>
+                              <m:t>𝑥</m:t>
+                            </m:r>
+                          </m:e>
+                          <m:sub>
+                            <m:r>
+                              <a:rPr lang="en-US" b="0" i="1" smtClean="0">
+                                <a:latin typeface="Cambria Math" panose="02040503050406030204" pitchFamily="18" charset="0"/>
+                              </a:rPr>
+                              <m:t>𝑡</m:t>
+                            </m:r>
+                          </m:sub>
+                        </m:sSub>
+                      </m:oMath>
+                    </m:oMathPara>
+                  </a14:m>
+                  <a:endParaRPr lang="en-US" dirty="0"/>
+                </a:p>
+              </p:txBody>
+            </p:sp>
+          </mc:Choice>
+          <mc:Fallback>
+            <p:sp>
+              <p:nvSpPr>
+                <p:cNvPr id="197" name="TextBox 196">
+                  <a:extLst>
+                    <a:ext uri="{FF2B5EF4-FFF2-40B4-BE49-F238E27FC236}">
+                      <a16:creationId xmlns:a16="http://schemas.microsoft.com/office/drawing/2014/main" id="{E90CAC25-9E28-6DCE-0F4C-D5249E34F75E}"/>
+                    </a:ext>
+                  </a:extLst>
+                </p:cNvPr>
+                <p:cNvSpPr txBox="1">
+                  <a:spLocks noRot="1" noChangeAspect="1" noMove="1" noResize="1" noEditPoints="1" noAdjustHandles="1" noChangeArrowheads="1" noChangeShapeType="1" noTextEdit="1"/>
+                </p:cNvSpPr>
+                <p:nvPr/>
+              </p:nvSpPr>
+              <p:spPr>
+                <a:xfrm>
+                  <a:off x="7769043" y="2572322"/>
+                  <a:ext cx="261867" cy="276999"/>
+                </a:xfrm>
+                <a:prstGeom prst="rect">
+                  <a:avLst/>
+                </a:prstGeom>
+                <a:blipFill>
+                  <a:blip r:embed="rId3"/>
+                  <a:stretch>
+                    <a:fillRect l="-9091" r="-4545" b="-13043"/>
+                  </a:stretch>
+                </a:blipFill>
+              </p:spPr>
+              <p:txBody>
+                <a:bodyPr/>
+                <a:lstStyle/>
+                <a:p>
+                  <a:r>
+                    <a:rPr lang="en-US">
+                      <a:noFill/>
+                    </a:rPr>
+                    <a:t> </a:t>
+                  </a:r>
+                </a:p>
+              </p:txBody>
+            </p:sp>
+          </mc:Fallback>
+        </mc:AlternateContent>
+        <mc:AlternateContent xmlns:mc="http://schemas.openxmlformats.org/markup-compatibility/2006">
+          <mc:Choice xmlns:a14="http://schemas.microsoft.com/office/drawing/2010/main" Requires="a14">
+            <p:sp>
+              <p:nvSpPr>
+                <p:cNvPr id="198" name="TextBox 197">
+                  <a:extLst>
+                    <a:ext uri="{FF2B5EF4-FFF2-40B4-BE49-F238E27FC236}">
+                      <a16:creationId xmlns:a16="http://schemas.microsoft.com/office/drawing/2014/main" id="{A07F23AA-42CB-FF17-BFFE-0E6F78B107C7}"/>
+                    </a:ext>
+                  </a:extLst>
+                </p:cNvPr>
+                <p:cNvSpPr txBox="1"/>
+                <p:nvPr/>
+              </p:nvSpPr>
+              <p:spPr>
+                <a:xfrm>
+                  <a:off x="3342898" y="2426445"/>
+                  <a:ext cx="252377" cy="276999"/>
+                </a:xfrm>
+                <a:prstGeom prst="rect">
+                  <a:avLst/>
+                </a:prstGeom>
+                <a:noFill/>
+              </p:spPr>
+              <p:txBody>
+                <a:bodyPr wrap="none" lIns="0" tIns="0" rIns="0" bIns="0" rtlCol="0">
+                  <a:spAutoFit/>
+                </a:bodyPr>
+                <a:lstStyle/>
+                <a:p>
+                  <a:pPr/>
+                  <a14:m>
+                    <m:oMathPara xmlns:m="http://schemas.openxmlformats.org/officeDocument/2006/math">
+                      <m:oMathParaPr>
+                        <m:jc m:val="centerGroup"/>
+                      </m:oMathParaPr>
+                      <m:oMath xmlns:m="http://schemas.openxmlformats.org/officeDocument/2006/math">
+                        <m:sSub>
+                          <m:sSubPr>
+                            <m:ctrlPr>
+                              <a:rPr lang="en-US" b="0" i="1" smtClean="0">
+                                <a:latin typeface="Cambria Math" panose="02040503050406030204" pitchFamily="18" charset="0"/>
+                              </a:rPr>
+                            </m:ctrlPr>
+                          </m:sSubPr>
+                          <m:e>
+                            <m:r>
+                              <a:rPr lang="en-US" b="0" i="1" smtClean="0">
+                                <a:latin typeface="Cambria Math" panose="02040503050406030204" pitchFamily="18" charset="0"/>
+                              </a:rPr>
+                              <m:t>𝑆</m:t>
+                            </m:r>
+                          </m:e>
+                          <m:sub>
+                            <m:r>
+                              <a:rPr lang="en-US" b="0" i="1" smtClean="0">
+                                <a:latin typeface="Cambria Math" panose="02040503050406030204" pitchFamily="18" charset="0"/>
+                              </a:rPr>
+                              <m:t>𝑡</m:t>
+                            </m:r>
+                          </m:sub>
+                        </m:sSub>
+                      </m:oMath>
+                    </m:oMathPara>
+                  </a14:m>
+                  <a:endParaRPr lang="en-US" dirty="0"/>
+                </a:p>
+              </p:txBody>
+            </p:sp>
+          </mc:Choice>
+          <mc:Fallback>
+            <p:sp>
+              <p:nvSpPr>
+                <p:cNvPr id="198" name="TextBox 197">
+                  <a:extLst>
+                    <a:ext uri="{FF2B5EF4-FFF2-40B4-BE49-F238E27FC236}">
+                      <a16:creationId xmlns:a16="http://schemas.microsoft.com/office/drawing/2014/main" id="{A07F23AA-42CB-FF17-BFFE-0E6F78B107C7}"/>
+                    </a:ext>
+                  </a:extLst>
+                </p:cNvPr>
+                <p:cNvSpPr txBox="1">
+                  <a:spLocks noRot="1" noChangeAspect="1" noMove="1" noResize="1" noEditPoints="1" noAdjustHandles="1" noChangeArrowheads="1" noChangeShapeType="1" noTextEdit="1"/>
+                </p:cNvSpPr>
+                <p:nvPr/>
+              </p:nvSpPr>
+              <p:spPr>
+                <a:xfrm>
+                  <a:off x="3342898" y="2426445"/>
+                  <a:ext cx="252377" cy="276999"/>
+                </a:xfrm>
+                <a:prstGeom prst="rect">
+                  <a:avLst/>
+                </a:prstGeom>
+                <a:blipFill>
+                  <a:blip r:embed="rId4"/>
+                  <a:stretch>
+                    <a:fillRect l="-19048" r="-4762" b="-18182"/>
+                  </a:stretch>
+                </a:blipFill>
+              </p:spPr>
+              <p:txBody>
+                <a:bodyPr/>
+                <a:lstStyle/>
+                <a:p>
+                  <a:r>
+                    <a:rPr lang="en-US">
+                      <a:noFill/>
+                    </a:rPr>
+                    <a:t> </a:t>
+                  </a:r>
+                </a:p>
+              </p:txBody>
+            </p:sp>
+          </mc:Fallback>
+        </mc:AlternateContent>
+        <p:cxnSp>
+          <p:nvCxnSpPr>
+            <p:cNvPr id="204" name="Straight Connector 203">
+              <a:extLst>
+                <a:ext uri="{FF2B5EF4-FFF2-40B4-BE49-F238E27FC236}">
+                  <a16:creationId xmlns:a16="http://schemas.microsoft.com/office/drawing/2014/main" id="{11D8F9AA-666E-1591-7496-EA01614132FD}"/>
+                </a:ext>
+              </a:extLst>
+            </p:cNvPr>
+            <p:cNvCxnSpPr>
+              <a:cxnSpLocks/>
+            </p:cNvCxnSpPr>
+            <p:nvPr/>
+          </p:nvCxnSpPr>
+          <p:spPr>
+            <a:xfrm flipH="1">
+              <a:off x="3954095" y="3146012"/>
+              <a:ext cx="920511" cy="8213"/>
+            </a:xfrm>
+            <a:prstGeom prst="line">
+              <a:avLst/>
+            </a:prstGeom>
+            <a:ln w="19050">
+              <a:solidFill>
+                <a:schemeClr val="tx1"/>
+              </a:solidFill>
+            </a:ln>
+          </p:spPr>
+          <p:style>
+            <a:lnRef idx="1">
+              <a:schemeClr val="accent1"/>
+            </a:lnRef>
+            <a:fillRef idx="0">
+              <a:schemeClr val="accent1"/>
+            </a:fillRef>
+            <a:effectRef idx="0">
+              <a:schemeClr val="accent1"/>
+            </a:effectRef>
+            <a:fontRef idx="minor">
+              <a:schemeClr val="tx1"/>
+            </a:fontRef>
+          </p:style>
+        </p:cxnSp>
+        <p:cxnSp>
+          <p:nvCxnSpPr>
+            <p:cNvPr id="213" name="Straight Connector 212">
+              <a:extLst>
+                <a:ext uri="{FF2B5EF4-FFF2-40B4-BE49-F238E27FC236}">
+                  <a16:creationId xmlns:a16="http://schemas.microsoft.com/office/drawing/2014/main" id="{E18702C9-77B5-FF72-424A-DE46F638C321}"/>
+                </a:ext>
+              </a:extLst>
+            </p:cNvPr>
+            <p:cNvCxnSpPr>
+              <a:cxnSpLocks/>
+            </p:cNvCxnSpPr>
+            <p:nvPr/>
+          </p:nvCxnSpPr>
+          <p:spPr>
+            <a:xfrm>
+              <a:off x="3954095" y="2326899"/>
+              <a:ext cx="0" cy="825169"/>
+            </a:xfrm>
+            <a:prstGeom prst="line">
+              <a:avLst/>
+            </a:prstGeom>
+            <a:ln w="19050">
+              <a:solidFill>
+                <a:schemeClr val="tx1"/>
+              </a:solidFill>
+            </a:ln>
+          </p:spPr>
+          <p:style>
+            <a:lnRef idx="1">
+              <a:schemeClr val="accent1"/>
+            </a:lnRef>
+            <a:fillRef idx="0">
+              <a:schemeClr val="accent1"/>
+            </a:fillRef>
+            <a:effectRef idx="0">
+              <a:schemeClr val="accent1"/>
+            </a:effectRef>
+            <a:fontRef idx="minor">
+              <a:schemeClr val="tx1"/>
+            </a:fontRef>
+          </p:style>
+        </p:cxnSp>
+        <p:cxnSp>
+          <p:nvCxnSpPr>
+            <p:cNvPr id="216" name="Straight Connector 215">
+              <a:extLst>
+                <a:ext uri="{FF2B5EF4-FFF2-40B4-BE49-F238E27FC236}">
+                  <a16:creationId xmlns:a16="http://schemas.microsoft.com/office/drawing/2014/main" id="{66263BAC-5DE0-8D39-891B-377C9BFB0C49}"/>
+                </a:ext>
+              </a:extLst>
+            </p:cNvPr>
+            <p:cNvCxnSpPr>
+              <a:cxnSpLocks/>
+            </p:cNvCxnSpPr>
+            <p:nvPr/>
+          </p:nvCxnSpPr>
+          <p:spPr>
+            <a:xfrm flipH="1">
+              <a:off x="3954095" y="2326899"/>
+              <a:ext cx="966862" cy="0"/>
+            </a:xfrm>
+            <a:prstGeom prst="line">
+              <a:avLst/>
+            </a:prstGeom>
+            <a:ln w="19050">
+              <a:solidFill>
+                <a:schemeClr val="tx1"/>
+              </a:solidFill>
+              <a:headEnd type="triangle" w="med" len="med"/>
+              <a:tailEnd type="none" w="med" len="med"/>
+            </a:ln>
+          </p:spPr>
+          <p:style>
+            <a:lnRef idx="1">
+              <a:schemeClr val="accent1"/>
+            </a:lnRef>
+            <a:fillRef idx="0">
+              <a:schemeClr val="accent1"/>
+            </a:fillRef>
+            <a:effectRef idx="0">
+              <a:schemeClr val="accent1"/>
+            </a:effectRef>
+            <a:fontRef idx="minor">
+              <a:schemeClr val="tx1"/>
+            </a:fontRef>
+          </p:style>
+        </p:cxnSp>
+        <p:cxnSp>
+          <p:nvCxnSpPr>
+            <p:cNvPr id="220" name="Straight Connector 219">
+              <a:extLst>
+                <a:ext uri="{FF2B5EF4-FFF2-40B4-BE49-F238E27FC236}">
+                  <a16:creationId xmlns:a16="http://schemas.microsoft.com/office/drawing/2014/main" id="{4C269B3E-7C18-EE50-E269-98A1DE73508D}"/>
+                </a:ext>
+              </a:extLst>
+            </p:cNvPr>
+            <p:cNvCxnSpPr>
+              <a:cxnSpLocks/>
+            </p:cNvCxnSpPr>
+            <p:nvPr/>
+          </p:nvCxnSpPr>
+          <p:spPr>
+            <a:xfrm>
+              <a:off x="4318632" y="2969655"/>
+              <a:ext cx="0" cy="587557"/>
+            </a:xfrm>
+            <a:prstGeom prst="line">
+              <a:avLst/>
+            </a:prstGeom>
+            <a:ln w="12700">
+              <a:solidFill>
+                <a:schemeClr val="tx1"/>
+              </a:solidFill>
+              <a:prstDash val="dash"/>
+            </a:ln>
+          </p:spPr>
+          <p:style>
+            <a:lnRef idx="1">
+              <a:schemeClr val="accent1"/>
+            </a:lnRef>
+            <a:fillRef idx="0">
+              <a:schemeClr val="accent1"/>
+            </a:fillRef>
+            <a:effectRef idx="0">
+              <a:schemeClr val="accent1"/>
+            </a:effectRef>
+            <a:fontRef idx="minor">
+              <a:schemeClr val="tx1"/>
+            </a:fontRef>
+          </p:style>
+        </p:cxnSp>
+        <mc:AlternateContent xmlns:mc="http://schemas.openxmlformats.org/markup-compatibility/2006">
+          <mc:Choice xmlns:a14="http://schemas.microsoft.com/office/drawing/2010/main" Requires="a14">
+            <p:sp>
+              <p:nvSpPr>
+                <p:cNvPr id="223" name="TextBox 222">
+                  <a:extLst>
+                    <a:ext uri="{FF2B5EF4-FFF2-40B4-BE49-F238E27FC236}">
+                      <a16:creationId xmlns:a16="http://schemas.microsoft.com/office/drawing/2014/main" id="{584BAD20-3A15-7792-141C-3E873300DE11}"/>
+                    </a:ext>
+                  </a:extLst>
+                </p:cNvPr>
+                <p:cNvSpPr txBox="1"/>
+                <p:nvPr/>
+              </p:nvSpPr>
+              <p:spPr>
+                <a:xfrm>
+                  <a:off x="3954095" y="2433822"/>
+                  <a:ext cx="284180" cy="276999"/>
+                </a:xfrm>
+                <a:prstGeom prst="rect">
+                  <a:avLst/>
+                </a:prstGeom>
+                <a:noFill/>
+              </p:spPr>
+              <p:txBody>
+                <a:bodyPr wrap="none" lIns="0" tIns="0" rIns="0" bIns="0" rtlCol="0">
+                  <a:spAutoFit/>
+                </a:bodyPr>
+                <a:lstStyle/>
+                <a:p>
+                  <a:pPr/>
+                  <a14:m>
+                    <m:oMathPara xmlns:m="http://schemas.openxmlformats.org/officeDocument/2006/math">
+                      <m:oMathParaPr>
+                        <m:jc m:val="centerGroup"/>
+                      </m:oMathParaPr>
+                      <m:oMath xmlns:m="http://schemas.openxmlformats.org/officeDocument/2006/math">
+                        <m:sSub>
+                          <m:sSubPr>
+                            <m:ctrlPr>
+                              <a:rPr lang="en-US" b="0" i="1" smtClean="0">
+                                <a:latin typeface="Cambria Math" panose="02040503050406030204" pitchFamily="18" charset="0"/>
+                              </a:rPr>
+                            </m:ctrlPr>
+                          </m:sSubPr>
+                          <m:e>
+                            <m:r>
+                              <a:rPr lang="en-US" b="0" i="1" smtClean="0">
+                                <a:latin typeface="Cambria Math" panose="02040503050406030204" pitchFamily="18" charset="0"/>
+                              </a:rPr>
+                              <m:t>𝑅</m:t>
+                            </m:r>
+                          </m:e>
+                          <m:sub>
+                            <m:r>
+                              <a:rPr lang="en-US" b="0" i="1" smtClean="0">
+                                <a:latin typeface="Cambria Math" panose="02040503050406030204" pitchFamily="18" charset="0"/>
+                              </a:rPr>
+                              <m:t>𝑡</m:t>
+                            </m:r>
+                          </m:sub>
+                        </m:sSub>
+                      </m:oMath>
+                    </m:oMathPara>
+                  </a14:m>
+                  <a:endParaRPr lang="en-US" dirty="0"/>
+                </a:p>
+              </p:txBody>
+            </p:sp>
+          </mc:Choice>
+          <mc:Fallback>
+            <p:sp>
+              <p:nvSpPr>
+                <p:cNvPr id="223" name="TextBox 222">
+                  <a:extLst>
+                    <a:ext uri="{FF2B5EF4-FFF2-40B4-BE49-F238E27FC236}">
+                      <a16:creationId xmlns:a16="http://schemas.microsoft.com/office/drawing/2014/main" id="{584BAD20-3A15-7792-141C-3E873300DE11}"/>
+                    </a:ext>
+                  </a:extLst>
+                </p:cNvPr>
+                <p:cNvSpPr txBox="1">
+                  <a:spLocks noRot="1" noChangeAspect="1" noMove="1" noResize="1" noEditPoints="1" noAdjustHandles="1" noChangeArrowheads="1" noChangeShapeType="1" noTextEdit="1"/>
+                </p:cNvSpPr>
+                <p:nvPr/>
+              </p:nvSpPr>
+              <p:spPr>
+                <a:xfrm>
+                  <a:off x="3954095" y="2433822"/>
+                  <a:ext cx="284180" cy="276999"/>
+                </a:xfrm>
+                <a:prstGeom prst="rect">
+                  <a:avLst/>
+                </a:prstGeom>
+                <a:blipFill>
+                  <a:blip r:embed="rId5"/>
+                  <a:stretch>
+                    <a:fillRect l="-17391" r="-4348" b="-13043"/>
+                  </a:stretch>
+                </a:blipFill>
+              </p:spPr>
+              <p:txBody>
+                <a:bodyPr/>
+                <a:lstStyle/>
+                <a:p>
+                  <a:r>
+                    <a:rPr lang="en-US">
+                      <a:noFill/>
+                    </a:rPr>
+                    <a:t> </a:t>
+                  </a:r>
+                </a:p>
+              </p:txBody>
+            </p:sp>
+          </mc:Fallback>
+        </mc:AlternateContent>
+        <mc:AlternateContent xmlns:mc="http://schemas.openxmlformats.org/markup-compatibility/2006">
+          <mc:Choice xmlns:a14="http://schemas.microsoft.com/office/drawing/2010/main" Requires="a14">
+            <p:sp>
+              <p:nvSpPr>
+                <p:cNvPr id="224" name="TextBox 223">
+                  <a:extLst>
+                    <a:ext uri="{FF2B5EF4-FFF2-40B4-BE49-F238E27FC236}">
+                      <a16:creationId xmlns:a16="http://schemas.microsoft.com/office/drawing/2014/main" id="{B5A5C830-EFDD-BCA9-7DF7-360050A96C76}"/>
+                    </a:ext>
+                  </a:extLst>
+                </p:cNvPr>
+                <p:cNvSpPr txBox="1"/>
+                <p:nvPr/>
+              </p:nvSpPr>
+              <p:spPr>
+                <a:xfrm>
+                  <a:off x="4361755" y="3361329"/>
+                  <a:ext cx="471989" cy="276999"/>
+                </a:xfrm>
+                <a:prstGeom prst="rect">
+                  <a:avLst/>
+                </a:prstGeom>
+                <a:noFill/>
+              </p:spPr>
+              <p:txBody>
+                <a:bodyPr wrap="none" lIns="0" tIns="0" rIns="0" bIns="0" rtlCol="0">
+                  <a:spAutoFit/>
+                </a:bodyPr>
+                <a:lstStyle/>
+                <a:p>
+                  <a:pPr/>
+                  <a14:m>
+                    <m:oMathPara xmlns:m="http://schemas.openxmlformats.org/officeDocument/2006/math">
+                      <m:oMathParaPr>
+                        <m:jc m:val="centerGroup"/>
+                      </m:oMathParaPr>
+                      <m:oMath xmlns:m="http://schemas.openxmlformats.org/officeDocument/2006/math">
+                        <m:sSub>
+                          <m:sSubPr>
+                            <m:ctrlPr>
+                              <a:rPr lang="en-US" b="0" i="1" smtClean="0">
+                                <a:latin typeface="Cambria Math" panose="02040503050406030204" pitchFamily="18" charset="0"/>
+                              </a:rPr>
+                            </m:ctrlPr>
+                          </m:sSubPr>
+                          <m:e>
+                            <m:r>
+                              <a:rPr lang="en-US" b="0" i="1" smtClean="0">
+                                <a:latin typeface="Cambria Math" panose="02040503050406030204" pitchFamily="18" charset="0"/>
+                              </a:rPr>
+                              <m:t>𝑆</m:t>
+                            </m:r>
+                          </m:e>
+                          <m:sub>
+                            <m:r>
+                              <a:rPr lang="en-US" b="0" i="1" smtClean="0">
+                                <a:latin typeface="Cambria Math" panose="02040503050406030204" pitchFamily="18" charset="0"/>
+                              </a:rPr>
+                              <m:t>𝑡</m:t>
+                            </m:r>
+                            <m:r>
+                              <a:rPr lang="en-US" b="0" i="1" smtClean="0">
+                                <a:latin typeface="Cambria Math" panose="02040503050406030204" pitchFamily="18" charset="0"/>
+                              </a:rPr>
+                              <m:t>+1</m:t>
+                            </m:r>
+                          </m:sub>
+                        </m:sSub>
+                      </m:oMath>
+                    </m:oMathPara>
+                  </a14:m>
+                  <a:endParaRPr lang="en-US" dirty="0"/>
+                </a:p>
+              </p:txBody>
+            </p:sp>
+          </mc:Choice>
+          <mc:Fallback>
+            <p:sp>
+              <p:nvSpPr>
+                <p:cNvPr id="224" name="TextBox 223">
+                  <a:extLst>
+                    <a:ext uri="{FF2B5EF4-FFF2-40B4-BE49-F238E27FC236}">
+                      <a16:creationId xmlns:a16="http://schemas.microsoft.com/office/drawing/2014/main" id="{B5A5C830-EFDD-BCA9-7DF7-360050A96C76}"/>
+                    </a:ext>
+                  </a:extLst>
+                </p:cNvPr>
+                <p:cNvSpPr txBox="1">
+                  <a:spLocks noRot="1" noChangeAspect="1" noMove="1" noResize="1" noEditPoints="1" noAdjustHandles="1" noChangeArrowheads="1" noChangeShapeType="1" noTextEdit="1"/>
+                </p:cNvSpPr>
+                <p:nvPr/>
+              </p:nvSpPr>
+              <p:spPr>
+                <a:xfrm>
+                  <a:off x="4361755" y="3361329"/>
+                  <a:ext cx="471989" cy="276999"/>
+                </a:xfrm>
+                <a:prstGeom prst="rect">
+                  <a:avLst/>
+                </a:prstGeom>
+                <a:blipFill>
+                  <a:blip r:embed="rId6"/>
+                  <a:stretch>
+                    <a:fillRect l="-10526" r="-2632" b="-13043"/>
+                  </a:stretch>
+                </a:blipFill>
+              </p:spPr>
+              <p:txBody>
+                <a:bodyPr/>
+                <a:lstStyle/>
+                <a:p>
+                  <a:r>
+                    <a:rPr lang="en-US">
+                      <a:noFill/>
+                    </a:rPr>
+                    <a:t> </a:t>
+                  </a:r>
+                </a:p>
+              </p:txBody>
+            </p:sp>
+          </mc:Fallback>
+        </mc:AlternateContent>
+        <mc:AlternateContent xmlns:mc="http://schemas.openxmlformats.org/markup-compatibility/2006">
+          <mc:Choice xmlns:a14="http://schemas.microsoft.com/office/drawing/2010/main" Requires="a14">
+            <p:sp>
+              <p:nvSpPr>
+                <p:cNvPr id="225" name="TextBox 224">
+                  <a:extLst>
+                    <a:ext uri="{FF2B5EF4-FFF2-40B4-BE49-F238E27FC236}">
+                      <a16:creationId xmlns:a16="http://schemas.microsoft.com/office/drawing/2014/main" id="{BE42D6BB-8A42-4FD3-FB1C-D9C5CC37F3F4}"/>
+                    </a:ext>
+                  </a:extLst>
+                </p:cNvPr>
+                <p:cNvSpPr txBox="1"/>
+                <p:nvPr/>
+              </p:nvSpPr>
+              <p:spPr>
+                <a:xfrm>
+                  <a:off x="4342166" y="2849321"/>
+                  <a:ext cx="503792" cy="276999"/>
+                </a:xfrm>
+                <a:prstGeom prst="rect">
+                  <a:avLst/>
+                </a:prstGeom>
+                <a:noFill/>
+              </p:spPr>
+              <p:txBody>
+                <a:bodyPr wrap="none" lIns="0" tIns="0" rIns="0" bIns="0" rtlCol="0">
+                  <a:spAutoFit/>
+                </a:bodyPr>
+                <a:lstStyle/>
+                <a:p>
+                  <a:pPr/>
+                  <a14:m>
+                    <m:oMathPara xmlns:m="http://schemas.openxmlformats.org/officeDocument/2006/math">
+                      <m:oMathParaPr>
+                        <m:jc m:val="centerGroup"/>
+                      </m:oMathParaPr>
+                      <m:oMath xmlns:m="http://schemas.openxmlformats.org/officeDocument/2006/math">
+                        <m:sSub>
+                          <m:sSubPr>
+                            <m:ctrlPr>
+                              <a:rPr lang="en-US" b="0" i="1" smtClean="0">
+                                <a:latin typeface="Cambria Math" panose="02040503050406030204" pitchFamily="18" charset="0"/>
+                              </a:rPr>
+                            </m:ctrlPr>
+                          </m:sSubPr>
+                          <m:e>
+                            <m:r>
+                              <a:rPr lang="en-US" b="0" i="1" smtClean="0">
+                                <a:latin typeface="Cambria Math" panose="02040503050406030204" pitchFamily="18" charset="0"/>
+                              </a:rPr>
+                              <m:t>𝑅</m:t>
+                            </m:r>
+                          </m:e>
+                          <m:sub>
+                            <m:r>
+                              <a:rPr lang="en-US" b="0" i="1" smtClean="0">
+                                <a:latin typeface="Cambria Math" panose="02040503050406030204" pitchFamily="18" charset="0"/>
+                              </a:rPr>
+                              <m:t>𝑡</m:t>
+                            </m:r>
+                            <m:r>
+                              <a:rPr lang="en-US" b="0" i="1" smtClean="0">
+                                <a:latin typeface="Cambria Math" panose="02040503050406030204" pitchFamily="18" charset="0"/>
+                              </a:rPr>
+                              <m:t>+1</m:t>
+                            </m:r>
+                          </m:sub>
+                        </m:sSub>
+                      </m:oMath>
+                    </m:oMathPara>
+                  </a14:m>
+                  <a:endParaRPr lang="en-US" dirty="0"/>
+                </a:p>
+              </p:txBody>
+            </p:sp>
+          </mc:Choice>
+          <mc:Fallback>
+            <p:sp>
+              <p:nvSpPr>
+                <p:cNvPr id="225" name="TextBox 224">
+                  <a:extLst>
+                    <a:ext uri="{FF2B5EF4-FFF2-40B4-BE49-F238E27FC236}">
+                      <a16:creationId xmlns:a16="http://schemas.microsoft.com/office/drawing/2014/main" id="{BE42D6BB-8A42-4FD3-FB1C-D9C5CC37F3F4}"/>
+                    </a:ext>
+                  </a:extLst>
+                </p:cNvPr>
+                <p:cNvSpPr txBox="1">
+                  <a:spLocks noRot="1" noChangeAspect="1" noMove="1" noResize="1" noEditPoints="1" noAdjustHandles="1" noChangeArrowheads="1" noChangeShapeType="1" noTextEdit="1"/>
+                </p:cNvSpPr>
+                <p:nvPr/>
+              </p:nvSpPr>
+              <p:spPr>
+                <a:xfrm>
+                  <a:off x="4342166" y="2849321"/>
+                  <a:ext cx="503792" cy="276999"/>
+                </a:xfrm>
+                <a:prstGeom prst="rect">
+                  <a:avLst/>
+                </a:prstGeom>
+                <a:blipFill>
+                  <a:blip r:embed="rId7"/>
+                  <a:stretch>
+                    <a:fillRect l="-9756" r="-2439" b="-13043"/>
+                  </a:stretch>
+                </a:blipFill>
+              </p:spPr>
+              <p:txBody>
+                <a:bodyPr/>
+                <a:lstStyle/>
+                <a:p>
+                  <a:r>
+                    <a:rPr lang="en-US">
+                      <a:noFill/>
+                    </a:rPr>
+                    <a:t> </a:t>
+                  </a:r>
+                </a:p>
+              </p:txBody>
+            </p:sp>
+          </mc:Fallback>
+        </mc:AlternateContent>
+      </p:grpSp>
+    </p:spTree>
+    <p:extLst>
+      <p:ext uri="{BB962C8B-B14F-4D97-AF65-F5344CB8AC3E}">
+        <p14:creationId xmlns:p14="http://schemas.microsoft.com/office/powerpoint/2010/main" val="113819493"/>
+      </p:ext>
+    </p:extLst>
+  </p:cSld>
+  <p:clrMapOvr>
+    <a:masterClrMapping/>
+  </p:clrMapOvr>
+</p:sld>
+</file>
+
+<file path=ppt/slides/slide3.xml><?xml version="1.0" encoding="utf-8"?>
 <p:sld xmlns:a="http://schemas.openxmlformats.org/drawingml/2006/main" xmlns:r="http://schemas.openxmlformats.org/officeDocument/2006/relationships" xmlns:p="http://schemas.openxmlformats.org/presentationml/2006/main">
   <p:cSld>
     <p:spTree>
